--- a/ppt/01. Introduction.pptx
+++ b/ppt/01. Introduction.pptx
@@ -6,6 +6,9 @@
   </p:sldMasterIdLst>
   <p:sldIdLst>
     <p:sldId id="256" r:id="rId2"/>
+    <p:sldId id="257" r:id="rId3"/>
+    <p:sldId id="258" r:id="rId4"/>
+    <p:sldId id="259" r:id="rId5"/>
   </p:sldIdLst>
   <p:sldSz cx="12192000" cy="6858000"/>
   <p:notesSz cx="6858000" cy="9144000"/>
@@ -104,6 +107,11 @@
       </a:defRPr>
     </a:lvl9pPr>
   </p:defaultTextStyle>
+  <p:extLst>
+    <p:ext uri="{EFAFB233-063F-42B5-8137-9DF3F51BA10A}">
+      <p15:sldGuideLst xmlns:p15="http://schemas.microsoft.com/office/powerpoint/2012/main"/>
+    </p:ext>
+  </p:extLst>
 </p:presentation>
 </file>
 
@@ -238,7 +246,7 @@
           <a:p>
             <a:fld id="{2C59E35F-A497-4702-9410-C072BF23E778}" type="datetimeFigureOut">
               <a:rPr lang="en-US" smtClean="0"/>
-              <a:t>10/24/2021</a:t>
+              <a:t>11/30/2021</a:t>
             </a:fld>
             <a:endParaRPr lang="en-US"/>
           </a:p>
@@ -408,7 +416,7 @@
           <a:p>
             <a:fld id="{2C59E35F-A497-4702-9410-C072BF23E778}" type="datetimeFigureOut">
               <a:rPr lang="en-US" smtClean="0"/>
-              <a:t>10/24/2021</a:t>
+              <a:t>11/30/2021</a:t>
             </a:fld>
             <a:endParaRPr lang="en-US"/>
           </a:p>
@@ -588,7 +596,7 @@
           <a:p>
             <a:fld id="{2C59E35F-A497-4702-9410-C072BF23E778}" type="datetimeFigureOut">
               <a:rPr lang="en-US" smtClean="0"/>
-              <a:t>10/24/2021</a:t>
+              <a:t>11/30/2021</a:t>
             </a:fld>
             <a:endParaRPr lang="en-US"/>
           </a:p>
@@ -758,7 +766,7 @@
           <a:p>
             <a:fld id="{2C59E35F-A497-4702-9410-C072BF23E778}" type="datetimeFigureOut">
               <a:rPr lang="en-US" smtClean="0"/>
-              <a:t>10/24/2021</a:t>
+              <a:t>11/30/2021</a:t>
             </a:fld>
             <a:endParaRPr lang="en-US"/>
           </a:p>
@@ -1004,7 +1012,7 @@
           <a:p>
             <a:fld id="{2C59E35F-A497-4702-9410-C072BF23E778}" type="datetimeFigureOut">
               <a:rPr lang="en-US" smtClean="0"/>
-              <a:t>10/24/2021</a:t>
+              <a:t>11/30/2021</a:t>
             </a:fld>
             <a:endParaRPr lang="en-US"/>
           </a:p>
@@ -1236,7 +1244,7 @@
           <a:p>
             <a:fld id="{2C59E35F-A497-4702-9410-C072BF23E778}" type="datetimeFigureOut">
               <a:rPr lang="en-US" smtClean="0"/>
-              <a:t>10/24/2021</a:t>
+              <a:t>11/30/2021</a:t>
             </a:fld>
             <a:endParaRPr lang="en-US"/>
           </a:p>
@@ -1603,7 +1611,7 @@
           <a:p>
             <a:fld id="{2C59E35F-A497-4702-9410-C072BF23E778}" type="datetimeFigureOut">
               <a:rPr lang="en-US" smtClean="0"/>
-              <a:t>10/24/2021</a:t>
+              <a:t>11/30/2021</a:t>
             </a:fld>
             <a:endParaRPr lang="en-US"/>
           </a:p>
@@ -1721,7 +1729,7 @@
           <a:p>
             <a:fld id="{2C59E35F-A497-4702-9410-C072BF23E778}" type="datetimeFigureOut">
               <a:rPr lang="en-US" smtClean="0"/>
-              <a:t>10/24/2021</a:t>
+              <a:t>11/30/2021</a:t>
             </a:fld>
             <a:endParaRPr lang="en-US"/>
           </a:p>
@@ -1816,7 +1824,7 @@
           <a:p>
             <a:fld id="{2C59E35F-A497-4702-9410-C072BF23E778}" type="datetimeFigureOut">
               <a:rPr lang="en-US" smtClean="0"/>
-              <a:t>10/24/2021</a:t>
+              <a:t>11/30/2021</a:t>
             </a:fld>
             <a:endParaRPr lang="en-US"/>
           </a:p>
@@ -2093,7 +2101,7 @@
           <a:p>
             <a:fld id="{2C59E35F-A497-4702-9410-C072BF23E778}" type="datetimeFigureOut">
               <a:rPr lang="en-US" smtClean="0"/>
-              <a:t>10/24/2021</a:t>
+              <a:t>11/30/2021</a:t>
             </a:fld>
             <a:endParaRPr lang="en-US"/>
           </a:p>
@@ -2346,7 +2354,7 @@
           <a:p>
             <a:fld id="{2C59E35F-A497-4702-9410-C072BF23E778}" type="datetimeFigureOut">
               <a:rPr lang="en-US" smtClean="0"/>
-              <a:t>10/24/2021</a:t>
+              <a:t>11/30/2021</a:t>
             </a:fld>
             <a:endParaRPr lang="en-US"/>
           </a:p>
@@ -2559,7 +2567,7 @@
           <a:p>
             <a:fld id="{2C59E35F-A497-4702-9410-C072BF23E778}" type="datetimeFigureOut">
               <a:rPr lang="en-US" smtClean="0"/>
-              <a:t>10/24/2021</a:t>
+              <a:t>11/30/2021</a:t>
             </a:fld>
             <a:endParaRPr lang="en-US"/>
           </a:p>
@@ -3351,6 +3359,758 @@
   <p:clrMapOvr>
     <a:masterClrMapping/>
   </p:clrMapOvr>
+  <p:timing>
+    <p:tnLst>
+      <p:par>
+        <p:cTn id="1" dur="indefinite" restart="never" nodeType="tmRoot"/>
+      </p:par>
+    </p:tnLst>
+  </p:timing>
+</p:sld>
+</file>
+
+<file path=ppt/slides/slide2.xml><?xml version="1.0" encoding="utf-8"?>
+<p:sld xmlns:a="http://schemas.openxmlformats.org/drawingml/2006/main" xmlns:r="http://schemas.openxmlformats.org/officeDocument/2006/relationships" xmlns:p="http://schemas.openxmlformats.org/presentationml/2006/main">
+  <p:cSld>
+    <p:spTree>
+      <p:nvGrpSpPr>
+        <p:cNvPr id="1" name=""/>
+        <p:cNvGrpSpPr/>
+        <p:nvPr/>
+      </p:nvGrpSpPr>
+      <p:grpSpPr>
+        <a:xfrm>
+          <a:off x="0" y="0"/>
+          <a:ext cx="0" cy="0"/>
+          <a:chOff x="0" y="0"/>
+          <a:chExt cx="0" cy="0"/>
+        </a:xfrm>
+      </p:grpSpPr>
+      <p:sp>
+        <p:nvSpPr>
+          <p:cNvPr id="3" name="Content Placeholder 2"/>
+          <p:cNvSpPr>
+            <a:spLocks noGrp="1"/>
+          </p:cNvSpPr>
+          <p:nvPr>
+            <p:ph idx="1"/>
+          </p:nvPr>
+        </p:nvSpPr>
+        <p:spPr>
+          <a:xfrm>
+            <a:off x="838200" y="1493520"/>
+            <a:ext cx="10515600" cy="4683443"/>
+          </a:xfrm>
+        </p:spPr>
+        <p:txBody>
+          <a:bodyPr/>
+          <a:lstStyle/>
+          <a:p>
+            <a:pPr marL="0" indent="0">
+              <a:buNone/>
+            </a:pPr>
+            <a:r>
+              <a:rPr lang="en-US" dirty="0" smtClean="0"/>
+              <a:t>Hello World Program:</a:t>
+            </a:r>
+          </a:p>
+          <a:p>
+            <a:pPr marL="514350" indent="-514350">
+              <a:buAutoNum type="arabicPeriod"/>
+            </a:pPr>
+            <a:r>
+              <a:rPr lang="en-US" dirty="0" smtClean="0"/>
+              <a:t>Create a .</a:t>
+            </a:r>
+            <a:r>
+              <a:rPr lang="en-US" dirty="0" err="1" smtClean="0"/>
+              <a:t>js</a:t>
+            </a:r>
+            <a:r>
+              <a:rPr lang="en-US" dirty="0" smtClean="0"/>
+              <a:t> file and write code like console.log(‘hello world’)</a:t>
+            </a:r>
+          </a:p>
+          <a:p>
+            <a:pPr marL="514350" indent="-514350">
+              <a:buAutoNum type="arabicPeriod"/>
+            </a:pPr>
+            <a:r>
+              <a:rPr lang="en-US" dirty="0" smtClean="0"/>
+              <a:t>Run the file with command prompt node .</a:t>
+            </a:r>
+            <a:r>
+              <a:rPr lang="en-US" dirty="0" err="1" smtClean="0"/>
+              <a:t>js</a:t>
+            </a:r>
+            <a:r>
+              <a:rPr lang="en-US" dirty="0" smtClean="0"/>
+              <a:t> file. Here node HelloWorld.js</a:t>
+            </a:r>
+          </a:p>
+          <a:p>
+            <a:pPr marL="514350" indent="-514350">
+              <a:buAutoNum type="arabicPeriod"/>
+            </a:pPr>
+            <a:endParaRPr lang="en-US" dirty="0" smtClean="0"/>
+          </a:p>
+          <a:p>
+            <a:pPr marL="514350" indent="-514350">
+              <a:buAutoNum type="arabicPeriod"/>
+            </a:pPr>
+            <a:endParaRPr lang="en-US" dirty="0" smtClean="0"/>
+          </a:p>
+          <a:p>
+            <a:pPr marL="0" indent="0">
+              <a:buNone/>
+            </a:pPr>
+            <a:endParaRPr lang="en-US" dirty="0"/>
+          </a:p>
+        </p:txBody>
+      </p:sp>
+      <p:sp>
+        <p:nvSpPr>
+          <p:cNvPr id="5" name="Title 1"/>
+          <p:cNvSpPr txBox="1">
+            <a:spLocks/>
+          </p:cNvSpPr>
+          <p:nvPr/>
+        </p:nvSpPr>
+        <p:spPr>
+          <a:xfrm>
+            <a:off x="838200" y="477806"/>
+            <a:ext cx="10515600" cy="811368"/>
+          </a:xfrm>
+          <a:prstGeom prst="rect">
+            <a:avLst/>
+          </a:prstGeom>
+        </p:spPr>
+        <p:txBody>
+          <a:bodyPr vert="horz" lIns="91440" tIns="45720" rIns="91440" bIns="45720" rtlCol="0" anchor="ctr">
+            <a:normAutofit fontScale="75000" lnSpcReduction="20000"/>
+          </a:bodyPr>
+          <a:lstStyle>
+            <a:lvl1pPr algn="l" defTabSz="914400" rtl="0" eaLnBrk="1" latinLnBrk="0" hangingPunct="1">
+              <a:lnSpc>
+                <a:spcPct val="90000"/>
+              </a:lnSpc>
+              <a:spcBef>
+                <a:spcPct val="0"/>
+              </a:spcBef>
+              <a:buNone/>
+              <a:defRPr sz="4400" kern="1200">
+                <a:solidFill>
+                  <a:schemeClr val="tx1"/>
+                </a:solidFill>
+                <a:latin typeface="+mj-lt"/>
+                <a:ea typeface="+mj-ea"/>
+                <a:cs typeface="+mj-cs"/>
+              </a:defRPr>
+            </a:lvl1pPr>
+          </a:lstStyle>
+          <a:p>
+            <a:pPr algn="ctr"/>
+            <a:r>
+              <a:rPr lang="en-US" dirty="0" smtClean="0"/>
+              <a:t/>
+            </a:r>
+            <a:br>
+              <a:rPr lang="en-US" dirty="0" smtClean="0"/>
+            </a:br>
+            <a:r>
+              <a:rPr lang="en-US" dirty="0" smtClean="0"/>
+              <a:t>Node.js Fundamentals</a:t>
+            </a:r>
+            <a:endParaRPr lang="en-US" dirty="0"/>
+          </a:p>
+        </p:txBody>
+      </p:sp>
+      <p:pic>
+        <p:nvPicPr>
+          <p:cNvPr id="6" name="Picture 5"/>
+          <p:cNvPicPr>
+            <a:picLocks noChangeAspect="1"/>
+          </p:cNvPicPr>
+          <p:nvPr/>
+        </p:nvPicPr>
+        <p:blipFill>
+          <a:blip r:embed="rId2"/>
+          <a:stretch>
+            <a:fillRect/>
+          </a:stretch>
+        </p:blipFill>
+        <p:spPr>
+          <a:xfrm>
+            <a:off x="1281112" y="3338513"/>
+            <a:ext cx="9447848" cy="2838450"/>
+          </a:xfrm>
+          <a:prstGeom prst="rect">
+            <a:avLst/>
+          </a:prstGeom>
+        </p:spPr>
+      </p:pic>
+    </p:spTree>
+    <p:extLst>
+      <p:ext uri="{BB962C8B-B14F-4D97-AF65-F5344CB8AC3E}">
+        <p14:creationId xmlns:p14="http://schemas.microsoft.com/office/powerpoint/2010/main" val="3488012309"/>
+      </p:ext>
+    </p:extLst>
+  </p:cSld>
+  <p:clrMapOvr>
+    <a:masterClrMapping/>
+  </p:clrMapOvr>
+  <p:timing>
+    <p:tnLst>
+      <p:par>
+        <p:cTn id="1" dur="indefinite" restart="never" nodeType="tmRoot"/>
+      </p:par>
+    </p:tnLst>
+  </p:timing>
+</p:sld>
+</file>
+
+<file path=ppt/slides/slide3.xml><?xml version="1.0" encoding="utf-8"?>
+<p:sld xmlns:a="http://schemas.openxmlformats.org/drawingml/2006/main" xmlns:r="http://schemas.openxmlformats.org/officeDocument/2006/relationships" xmlns:p="http://schemas.openxmlformats.org/presentationml/2006/main">
+  <p:cSld>
+    <p:spTree>
+      <p:nvGrpSpPr>
+        <p:cNvPr id="1" name=""/>
+        <p:cNvGrpSpPr/>
+        <p:nvPr/>
+      </p:nvGrpSpPr>
+      <p:grpSpPr>
+        <a:xfrm>
+          <a:off x="0" y="0"/>
+          <a:ext cx="0" cy="0"/>
+          <a:chOff x="0" y="0"/>
+          <a:chExt cx="0" cy="0"/>
+        </a:xfrm>
+      </p:grpSpPr>
+      <p:sp>
+        <p:nvSpPr>
+          <p:cNvPr id="2" name="Title 1"/>
+          <p:cNvSpPr>
+            <a:spLocks noGrp="1"/>
+          </p:cNvSpPr>
+          <p:nvPr>
+            <p:ph type="ctrTitle"/>
+          </p:nvPr>
+        </p:nvSpPr>
+        <p:spPr>
+          <a:xfrm>
+            <a:off x="1524000" y="386366"/>
+            <a:ext cx="9144000" cy="811368"/>
+          </a:xfrm>
+        </p:spPr>
+        <p:txBody>
+          <a:bodyPr>
+            <a:normAutofit fontScale="90000"/>
+          </a:bodyPr>
+          <a:lstStyle/>
+          <a:p>
+            <a:r>
+              <a:rPr lang="en-US" dirty="0" smtClean="0"/>
+              <a:t/>
+            </a:r>
+            <a:br>
+              <a:rPr lang="en-US" dirty="0" smtClean="0"/>
+            </a:br>
+            <a:r>
+              <a:rPr lang="en-US" dirty="0" smtClean="0"/>
+              <a:t>Node.js Fundamentals</a:t>
+            </a:r>
+            <a:endParaRPr lang="en-US" dirty="0"/>
+          </a:p>
+        </p:txBody>
+      </p:sp>
+      <p:sp>
+        <p:nvSpPr>
+          <p:cNvPr id="3" name="Subtitle 2"/>
+          <p:cNvSpPr>
+            <a:spLocks noGrp="1"/>
+          </p:cNvSpPr>
+          <p:nvPr>
+            <p:ph type="subTitle" idx="1"/>
+          </p:nvPr>
+        </p:nvSpPr>
+        <p:spPr>
+          <a:xfrm>
+            <a:off x="1524000" y="1335355"/>
+            <a:ext cx="9144000" cy="5197525"/>
+          </a:xfrm>
+        </p:spPr>
+        <p:txBody>
+          <a:bodyPr>
+            <a:normAutofit fontScale="92500" lnSpcReduction="20000"/>
+          </a:bodyPr>
+          <a:lstStyle/>
+          <a:p>
+            <a:pPr marL="342900" indent="-342900" algn="l">
+              <a:buFont typeface="Wingdings" panose="05000000000000000000" pitchFamily="2" charset="2"/>
+              <a:buChar char="Ø"/>
+            </a:pPr>
+            <a:r>
+              <a:rPr lang="en-US" dirty="0"/>
+              <a:t>Anonymous </a:t>
+            </a:r>
+            <a:r>
+              <a:rPr lang="en-US" dirty="0" smtClean="0"/>
+              <a:t>Function</a:t>
+            </a:r>
+            <a:endParaRPr lang="en-US" dirty="0"/>
+          </a:p>
+          <a:p>
+            <a:pPr marL="800100" lvl="1" indent="-342900" algn="l">
+              <a:buFont typeface="Arial" panose="020B0604020202020204" pitchFamily="34" charset="0"/>
+              <a:buChar char="•"/>
+            </a:pPr>
+            <a:endParaRPr lang="en-US" dirty="0"/>
+          </a:p>
+          <a:p>
+            <a:pPr algn="l"/>
+            <a:r>
+              <a:rPr lang="en-US" dirty="0"/>
+              <a:t/>
+            </a:r>
+            <a:br>
+              <a:rPr lang="en-US" dirty="0"/>
+            </a:br>
+            <a:r>
+              <a:rPr lang="en-US" dirty="0"/>
+              <a:t>let </a:t>
+            </a:r>
+            <a:r>
+              <a:rPr lang="en-US" dirty="0" err="1"/>
+              <a:t>stuffName</a:t>
+            </a:r>
+            <a:r>
+              <a:rPr lang="en-US" dirty="0"/>
+              <a:t>='</a:t>
+            </a:r>
+            <a:r>
+              <a:rPr lang="en-US" dirty="0" err="1"/>
+              <a:t>Rejwanul</a:t>
+            </a:r>
+            <a:r>
+              <a:rPr lang="en-US" dirty="0"/>
+              <a:t> Reja';</a:t>
+            </a:r>
+          </a:p>
+          <a:p>
+            <a:pPr algn="l"/>
+            <a:r>
+              <a:rPr lang="en-US" dirty="0"/>
+              <a:t/>
+            </a:r>
+            <a:br>
+              <a:rPr lang="en-US" dirty="0"/>
+            </a:br>
+            <a:r>
+              <a:rPr lang="en-US" dirty="0"/>
+              <a:t>//Example 01: </a:t>
+            </a:r>
+          </a:p>
+          <a:p>
+            <a:pPr algn="l"/>
+            <a:r>
+              <a:rPr lang="en-US" dirty="0"/>
+              <a:t>//------------</a:t>
+            </a:r>
+          </a:p>
+          <a:p>
+            <a:pPr algn="l"/>
+            <a:r>
+              <a:rPr lang="en-US" dirty="0" err="1"/>
+              <a:t>const</a:t>
+            </a:r>
+            <a:r>
+              <a:rPr lang="en-US" dirty="0"/>
+              <a:t> </a:t>
+            </a:r>
+            <a:r>
+              <a:rPr lang="en-US" dirty="0" err="1"/>
+              <a:t>printStuff</a:t>
+            </a:r>
+            <a:r>
+              <a:rPr lang="en-US" dirty="0"/>
+              <a:t>=(stuff)=&gt;{ //this is a anonymous function [arrow function] and it is assigned to variable </a:t>
+            </a:r>
+            <a:r>
+              <a:rPr lang="en-US" dirty="0" err="1"/>
+              <a:t>printStuff</a:t>
+            </a:r>
+            <a:endParaRPr lang="en-US" dirty="0"/>
+          </a:p>
+          <a:p>
+            <a:pPr algn="l"/>
+            <a:r>
+              <a:rPr lang="en-US" dirty="0"/>
+              <a:t>    console.log(stuff)</a:t>
+            </a:r>
+          </a:p>
+          <a:p>
+            <a:pPr algn="l"/>
+            <a:r>
+              <a:rPr lang="en-US" dirty="0"/>
+              <a:t>}</a:t>
+            </a:r>
+          </a:p>
+          <a:p>
+            <a:pPr algn="l"/>
+            <a:r>
+              <a:rPr lang="en-US" dirty="0"/>
+              <a:t/>
+            </a:r>
+            <a:br>
+              <a:rPr lang="en-US" dirty="0"/>
+            </a:br>
+            <a:r>
+              <a:rPr lang="en-US" dirty="0" err="1"/>
+              <a:t>const</a:t>
+            </a:r>
+            <a:r>
+              <a:rPr lang="en-US" dirty="0"/>
+              <a:t> </a:t>
+            </a:r>
+            <a:r>
+              <a:rPr lang="en-US" dirty="0" err="1"/>
+              <a:t>MainFunction</a:t>
+            </a:r>
+            <a:r>
+              <a:rPr lang="en-US" dirty="0"/>
+              <a:t>=(</a:t>
+            </a:r>
+            <a:r>
+              <a:rPr lang="en-US" dirty="0" err="1"/>
+              <a:t>paramFunction,value</a:t>
+            </a:r>
+            <a:r>
+              <a:rPr lang="en-US" dirty="0"/>
+              <a:t>)=&gt;{</a:t>
+            </a:r>
+          </a:p>
+          <a:p>
+            <a:pPr algn="l"/>
+            <a:r>
+              <a:rPr lang="en-US" dirty="0"/>
+              <a:t>    </a:t>
+            </a:r>
+            <a:r>
+              <a:rPr lang="en-US" dirty="0" err="1"/>
+              <a:t>paramFunction</a:t>
+            </a:r>
+            <a:r>
+              <a:rPr lang="en-US" dirty="0"/>
+              <a:t>(value);</a:t>
+            </a:r>
+          </a:p>
+          <a:p>
+            <a:pPr algn="l"/>
+            <a:r>
+              <a:rPr lang="en-US" dirty="0" smtClean="0"/>
+              <a:t>}</a:t>
+            </a:r>
+            <a:endParaRPr lang="en-US" dirty="0"/>
+          </a:p>
+        </p:txBody>
+      </p:sp>
+    </p:spTree>
+    <p:extLst>
+      <p:ext uri="{BB962C8B-B14F-4D97-AF65-F5344CB8AC3E}">
+        <p14:creationId xmlns:p14="http://schemas.microsoft.com/office/powerpoint/2010/main" val="3789394509"/>
+      </p:ext>
+    </p:extLst>
+  </p:cSld>
+  <p:clrMapOvr>
+    <a:masterClrMapping/>
+  </p:clrMapOvr>
+  <p:timing>
+    <p:tnLst>
+      <p:par>
+        <p:cTn id="1" dur="indefinite" restart="never" nodeType="tmRoot"/>
+      </p:par>
+    </p:tnLst>
+  </p:timing>
+</p:sld>
+</file>
+
+<file path=ppt/slides/slide4.xml><?xml version="1.0" encoding="utf-8"?>
+<p:sld xmlns:a="http://schemas.openxmlformats.org/drawingml/2006/main" xmlns:r="http://schemas.openxmlformats.org/officeDocument/2006/relationships" xmlns:p="http://schemas.openxmlformats.org/presentationml/2006/main">
+  <p:cSld>
+    <p:spTree>
+      <p:nvGrpSpPr>
+        <p:cNvPr id="1" name=""/>
+        <p:cNvGrpSpPr/>
+        <p:nvPr/>
+      </p:nvGrpSpPr>
+      <p:grpSpPr>
+        <a:xfrm>
+          <a:off x="0" y="0"/>
+          <a:ext cx="0" cy="0"/>
+          <a:chOff x="0" y="0"/>
+          <a:chExt cx="0" cy="0"/>
+        </a:xfrm>
+      </p:grpSpPr>
+      <p:sp>
+        <p:nvSpPr>
+          <p:cNvPr id="2" name="Title 1"/>
+          <p:cNvSpPr>
+            <a:spLocks noGrp="1"/>
+          </p:cNvSpPr>
+          <p:nvPr>
+            <p:ph type="ctrTitle"/>
+          </p:nvPr>
+        </p:nvSpPr>
+        <p:spPr>
+          <a:xfrm>
+            <a:off x="1524000" y="386366"/>
+            <a:ext cx="9144000" cy="811368"/>
+          </a:xfrm>
+        </p:spPr>
+        <p:txBody>
+          <a:bodyPr>
+            <a:normAutofit fontScale="90000"/>
+          </a:bodyPr>
+          <a:lstStyle/>
+          <a:p>
+            <a:r>
+              <a:rPr lang="en-US" dirty="0" smtClean="0"/>
+              <a:t/>
+            </a:r>
+            <a:br>
+              <a:rPr lang="en-US" dirty="0" smtClean="0"/>
+            </a:br>
+            <a:r>
+              <a:rPr lang="en-US" dirty="0" smtClean="0"/>
+              <a:t>Node.js Fundamentals</a:t>
+            </a:r>
+            <a:endParaRPr lang="en-US" dirty="0"/>
+          </a:p>
+        </p:txBody>
+      </p:sp>
+      <p:sp>
+        <p:nvSpPr>
+          <p:cNvPr id="3" name="Subtitle 2"/>
+          <p:cNvSpPr>
+            <a:spLocks noGrp="1"/>
+          </p:cNvSpPr>
+          <p:nvPr>
+            <p:ph type="subTitle" idx="1"/>
+          </p:nvPr>
+        </p:nvSpPr>
+        <p:spPr>
+          <a:xfrm>
+            <a:off x="1524000" y="1335355"/>
+            <a:ext cx="9144000" cy="5197525"/>
+          </a:xfrm>
+        </p:spPr>
+        <p:txBody>
+          <a:bodyPr>
+            <a:normAutofit fontScale="77500" lnSpcReduction="20000"/>
+          </a:bodyPr>
+          <a:lstStyle/>
+          <a:p>
+            <a:pPr marL="342900" indent="-342900" algn="l">
+              <a:buFont typeface="Wingdings" panose="05000000000000000000" pitchFamily="2" charset="2"/>
+              <a:buChar char="Ø"/>
+            </a:pPr>
+            <a:r>
+              <a:rPr lang="en-US" dirty="0"/>
+              <a:t>Anonymous </a:t>
+            </a:r>
+            <a:r>
+              <a:rPr lang="en-US" dirty="0" smtClean="0"/>
+              <a:t>Function</a:t>
+            </a:r>
+            <a:endParaRPr lang="en-US" dirty="0"/>
+          </a:p>
+          <a:p>
+            <a:pPr marL="800100" lvl="1" indent="-342900" algn="l">
+              <a:buFont typeface="Arial" panose="020B0604020202020204" pitchFamily="34" charset="0"/>
+              <a:buChar char="•"/>
+            </a:pPr>
+            <a:endParaRPr lang="en-US" dirty="0"/>
+          </a:p>
+          <a:p>
+            <a:pPr algn="l"/>
+            <a:r>
+              <a:rPr lang="en-US" dirty="0"/>
+              <a:t/>
+            </a:r>
+            <a:br>
+              <a:rPr lang="en-US" dirty="0"/>
+            </a:br>
+            <a:r>
+              <a:rPr lang="en-US" dirty="0"/>
+              <a:t>let </a:t>
+            </a:r>
+            <a:r>
+              <a:rPr lang="en-US" dirty="0" err="1"/>
+              <a:t>stuffName</a:t>
+            </a:r>
+            <a:r>
+              <a:rPr lang="en-US" dirty="0"/>
+              <a:t>='</a:t>
+            </a:r>
+            <a:r>
+              <a:rPr lang="en-US" dirty="0" err="1"/>
+              <a:t>Rejwanul</a:t>
+            </a:r>
+            <a:r>
+              <a:rPr lang="en-US" dirty="0"/>
+              <a:t> Reja';</a:t>
+            </a:r>
+          </a:p>
+          <a:p>
+            <a:pPr algn="l"/>
+            <a:r>
+              <a:rPr lang="en-US" dirty="0"/>
+              <a:t>//Example 02: </a:t>
+            </a:r>
+          </a:p>
+          <a:p>
+            <a:pPr algn="l"/>
+            <a:r>
+              <a:rPr lang="en-US" dirty="0"/>
+              <a:t>//------------</a:t>
+            </a:r>
+          </a:p>
+          <a:p>
+            <a:pPr algn="l"/>
+            <a:r>
+              <a:rPr lang="en-US" dirty="0"/>
+              <a:t/>
+            </a:r>
+            <a:br>
+              <a:rPr lang="en-US" dirty="0"/>
+            </a:br>
+            <a:r>
+              <a:rPr lang="en-US" dirty="0" err="1"/>
+              <a:t>const</a:t>
+            </a:r>
+            <a:r>
+              <a:rPr lang="en-US" dirty="0"/>
+              <a:t> </a:t>
+            </a:r>
+            <a:r>
+              <a:rPr lang="en-US" dirty="0" err="1"/>
+              <a:t>MainFunctionTwo</a:t>
+            </a:r>
+            <a:r>
+              <a:rPr lang="en-US" dirty="0"/>
+              <a:t>=(</a:t>
+            </a:r>
+            <a:r>
+              <a:rPr lang="en-US" dirty="0" err="1"/>
+              <a:t>paramFunction,value</a:t>
+            </a:r>
+            <a:r>
+              <a:rPr lang="en-US" dirty="0"/>
+              <a:t>)=&gt;{</a:t>
+            </a:r>
+          </a:p>
+          <a:p>
+            <a:pPr algn="l"/>
+            <a:r>
+              <a:rPr lang="en-US" dirty="0"/>
+              <a:t>    </a:t>
+            </a:r>
+            <a:r>
+              <a:rPr lang="en-US" dirty="0" err="1"/>
+              <a:t>paramFunction</a:t>
+            </a:r>
+            <a:r>
+              <a:rPr lang="en-US" dirty="0"/>
+              <a:t>(value);</a:t>
+            </a:r>
+          </a:p>
+          <a:p>
+            <a:pPr algn="l"/>
+            <a:r>
+              <a:rPr lang="en-US" dirty="0"/>
+              <a:t>}</a:t>
+            </a:r>
+          </a:p>
+          <a:p>
+            <a:pPr algn="l"/>
+            <a:r>
+              <a:rPr lang="en-US" dirty="0"/>
+              <a:t/>
+            </a:r>
+            <a:br>
+              <a:rPr lang="en-US" dirty="0"/>
+            </a:br>
+            <a:r>
+              <a:rPr lang="en-US" dirty="0" err="1"/>
+              <a:t>MainFunctionTwo</a:t>
+            </a:r>
+            <a:r>
+              <a:rPr lang="en-US" dirty="0"/>
+              <a:t>(</a:t>
+            </a:r>
+          </a:p>
+          <a:p>
+            <a:pPr algn="l"/>
+            <a:r>
+              <a:rPr lang="en-US" dirty="0"/>
+              <a:t>    (stuff)=&gt;{</a:t>
+            </a:r>
+          </a:p>
+          <a:p>
+            <a:pPr algn="l"/>
+            <a:r>
+              <a:rPr lang="en-US" dirty="0"/>
+              <a:t>        console.log(`Stuff Name ${stuff}`) //this is a anonymous function [arrow function]</a:t>
+            </a:r>
+          </a:p>
+          <a:p>
+            <a:pPr algn="l"/>
+            <a:r>
+              <a:rPr lang="en-US" dirty="0"/>
+              <a:t>    },</a:t>
+            </a:r>
+          </a:p>
+          <a:p>
+            <a:pPr algn="l"/>
+            <a:r>
+              <a:rPr lang="en-US" dirty="0"/>
+              <a:t>    '</a:t>
+            </a:r>
+            <a:r>
+              <a:rPr lang="en-US" dirty="0" err="1"/>
+              <a:t>Rejwanul</a:t>
+            </a:r>
+            <a:r>
+              <a:rPr lang="en-US" dirty="0"/>
+              <a:t> Reja'</a:t>
+            </a:r>
+          </a:p>
+          <a:p>
+            <a:pPr algn="l"/>
+            <a:r>
+              <a:rPr lang="en-US" dirty="0"/>
+              <a:t>)</a:t>
+            </a:r>
+          </a:p>
+        </p:txBody>
+      </p:sp>
+    </p:spTree>
+    <p:extLst>
+      <p:ext uri="{BB962C8B-B14F-4D97-AF65-F5344CB8AC3E}">
+        <p14:creationId xmlns:p14="http://schemas.microsoft.com/office/powerpoint/2010/main" val="617210559"/>
+      </p:ext>
+    </p:extLst>
+  </p:cSld>
+  <p:clrMapOvr>
+    <a:masterClrMapping/>
+  </p:clrMapOvr>
+  <p:timing>
+    <p:tnLst>
+      <p:par>
+        <p:cTn id="1" dur="indefinite" restart="never" nodeType="tmRoot"/>
+      </p:par>
+    </p:tnLst>
+  </p:timing>
 </p:sld>
 </file>
 

--- a/ppt/01. Introduction.pptx
+++ b/ppt/01. Introduction.pptx
@@ -9,6 +9,10 @@
     <p:sldId id="257" r:id="rId3"/>
     <p:sldId id="258" r:id="rId4"/>
     <p:sldId id="259" r:id="rId5"/>
+    <p:sldId id="260" r:id="rId6"/>
+    <p:sldId id="261" r:id="rId7"/>
+    <p:sldId id="262" r:id="rId8"/>
+    <p:sldId id="263" r:id="rId9"/>
   </p:sldIdLst>
   <p:sldSz cx="12192000" cy="6858000"/>
   <p:notesSz cx="6858000" cy="9144000"/>
@@ -246,7 +250,7 @@
           <a:p>
             <a:fld id="{2C59E35F-A497-4702-9410-C072BF23E778}" type="datetimeFigureOut">
               <a:rPr lang="en-US" smtClean="0"/>
-              <a:t>11/30/2021</a:t>
+              <a:t>12/1/2021</a:t>
             </a:fld>
             <a:endParaRPr lang="en-US"/>
           </a:p>
@@ -416,7 +420,7 @@
           <a:p>
             <a:fld id="{2C59E35F-A497-4702-9410-C072BF23E778}" type="datetimeFigureOut">
               <a:rPr lang="en-US" smtClean="0"/>
-              <a:t>11/30/2021</a:t>
+              <a:t>12/1/2021</a:t>
             </a:fld>
             <a:endParaRPr lang="en-US"/>
           </a:p>
@@ -596,7 +600,7 @@
           <a:p>
             <a:fld id="{2C59E35F-A497-4702-9410-C072BF23E778}" type="datetimeFigureOut">
               <a:rPr lang="en-US" smtClean="0"/>
-              <a:t>11/30/2021</a:t>
+              <a:t>12/1/2021</a:t>
             </a:fld>
             <a:endParaRPr lang="en-US"/>
           </a:p>
@@ -766,7 +770,7 @@
           <a:p>
             <a:fld id="{2C59E35F-A497-4702-9410-C072BF23E778}" type="datetimeFigureOut">
               <a:rPr lang="en-US" smtClean="0"/>
-              <a:t>11/30/2021</a:t>
+              <a:t>12/1/2021</a:t>
             </a:fld>
             <a:endParaRPr lang="en-US"/>
           </a:p>
@@ -1012,7 +1016,7 @@
           <a:p>
             <a:fld id="{2C59E35F-A497-4702-9410-C072BF23E778}" type="datetimeFigureOut">
               <a:rPr lang="en-US" smtClean="0"/>
-              <a:t>11/30/2021</a:t>
+              <a:t>12/1/2021</a:t>
             </a:fld>
             <a:endParaRPr lang="en-US"/>
           </a:p>
@@ -1244,7 +1248,7 @@
           <a:p>
             <a:fld id="{2C59E35F-A497-4702-9410-C072BF23E778}" type="datetimeFigureOut">
               <a:rPr lang="en-US" smtClean="0"/>
-              <a:t>11/30/2021</a:t>
+              <a:t>12/1/2021</a:t>
             </a:fld>
             <a:endParaRPr lang="en-US"/>
           </a:p>
@@ -1611,7 +1615,7 @@
           <a:p>
             <a:fld id="{2C59E35F-A497-4702-9410-C072BF23E778}" type="datetimeFigureOut">
               <a:rPr lang="en-US" smtClean="0"/>
-              <a:t>11/30/2021</a:t>
+              <a:t>12/1/2021</a:t>
             </a:fld>
             <a:endParaRPr lang="en-US"/>
           </a:p>
@@ -1729,7 +1733,7 @@
           <a:p>
             <a:fld id="{2C59E35F-A497-4702-9410-C072BF23E778}" type="datetimeFigureOut">
               <a:rPr lang="en-US" smtClean="0"/>
-              <a:t>11/30/2021</a:t>
+              <a:t>12/1/2021</a:t>
             </a:fld>
             <a:endParaRPr lang="en-US"/>
           </a:p>
@@ -1824,7 +1828,7 @@
           <a:p>
             <a:fld id="{2C59E35F-A497-4702-9410-C072BF23E778}" type="datetimeFigureOut">
               <a:rPr lang="en-US" smtClean="0"/>
-              <a:t>11/30/2021</a:t>
+              <a:t>12/1/2021</a:t>
             </a:fld>
             <a:endParaRPr lang="en-US"/>
           </a:p>
@@ -2101,7 +2105,7 @@
           <a:p>
             <a:fld id="{2C59E35F-A497-4702-9410-C072BF23E778}" type="datetimeFigureOut">
               <a:rPr lang="en-US" smtClean="0"/>
-              <a:t>11/30/2021</a:t>
+              <a:t>12/1/2021</a:t>
             </a:fld>
             <a:endParaRPr lang="en-US"/>
           </a:p>
@@ -2354,7 +2358,7 @@
           <a:p>
             <a:fld id="{2C59E35F-A497-4702-9410-C072BF23E778}" type="datetimeFigureOut">
               <a:rPr lang="en-US" smtClean="0"/>
-              <a:t>11/30/2021</a:t>
+              <a:t>12/1/2021</a:t>
             </a:fld>
             <a:endParaRPr lang="en-US"/>
           </a:p>
@@ -2567,7 +2571,7 @@
           <a:p>
             <a:fld id="{2C59E35F-A497-4702-9410-C072BF23E778}" type="datetimeFigureOut">
               <a:rPr lang="en-US" smtClean="0"/>
-              <a:t>11/30/2021</a:t>
+              <a:t>12/1/2021</a:t>
             </a:fld>
             <a:endParaRPr lang="en-US"/>
           </a:p>
@@ -4114,6 +4118,1179 @@
 </p:sld>
 </file>
 
+<file path=ppt/slides/slide5.xml><?xml version="1.0" encoding="utf-8"?>
+<p:sld xmlns:a="http://schemas.openxmlformats.org/drawingml/2006/main" xmlns:r="http://schemas.openxmlformats.org/officeDocument/2006/relationships" xmlns:p="http://schemas.openxmlformats.org/presentationml/2006/main">
+  <p:cSld>
+    <p:spTree>
+      <p:nvGrpSpPr>
+        <p:cNvPr id="1" name=""/>
+        <p:cNvGrpSpPr/>
+        <p:nvPr/>
+      </p:nvGrpSpPr>
+      <p:grpSpPr>
+        <a:xfrm>
+          <a:off x="0" y="0"/>
+          <a:ext cx="0" cy="0"/>
+          <a:chOff x="0" y="0"/>
+          <a:chExt cx="0" cy="0"/>
+        </a:xfrm>
+      </p:grpSpPr>
+      <p:sp>
+        <p:nvSpPr>
+          <p:cNvPr id="2" name="Title 1"/>
+          <p:cNvSpPr>
+            <a:spLocks noGrp="1"/>
+          </p:cNvSpPr>
+          <p:nvPr>
+            <p:ph type="ctrTitle"/>
+          </p:nvPr>
+        </p:nvSpPr>
+        <p:spPr>
+          <a:xfrm>
+            <a:off x="1524000" y="386366"/>
+            <a:ext cx="9144000" cy="811368"/>
+          </a:xfrm>
+        </p:spPr>
+        <p:txBody>
+          <a:bodyPr>
+            <a:normAutofit fontScale="90000"/>
+          </a:bodyPr>
+          <a:lstStyle/>
+          <a:p>
+            <a:r>
+              <a:rPr lang="en-US" dirty="0" smtClean="0"/>
+              <a:t/>
+            </a:r>
+            <a:br>
+              <a:rPr lang="en-US" dirty="0" smtClean="0"/>
+            </a:br>
+            <a:r>
+              <a:rPr lang="en-US" dirty="0" smtClean="0"/>
+              <a:t>Node.js Fundamentals</a:t>
+            </a:r>
+            <a:endParaRPr lang="en-US" dirty="0"/>
+          </a:p>
+        </p:txBody>
+      </p:sp>
+      <p:sp>
+        <p:nvSpPr>
+          <p:cNvPr id="3" name="Subtitle 2"/>
+          <p:cNvSpPr>
+            <a:spLocks noGrp="1"/>
+          </p:cNvSpPr>
+          <p:nvPr>
+            <p:ph type="subTitle" idx="1"/>
+          </p:nvPr>
+        </p:nvSpPr>
+        <p:spPr>
+          <a:xfrm>
+            <a:off x="1524000" y="1335355"/>
+            <a:ext cx="9144000" cy="5197525"/>
+          </a:xfrm>
+        </p:spPr>
+        <p:txBody>
+          <a:bodyPr>
+            <a:normAutofit lnSpcReduction="10000"/>
+          </a:bodyPr>
+          <a:lstStyle/>
+          <a:p>
+            <a:pPr marL="342900" indent="-342900" algn="l">
+              <a:buFont typeface="Wingdings" panose="05000000000000000000" pitchFamily="2" charset="2"/>
+              <a:buChar char="Ø"/>
+            </a:pPr>
+            <a:r>
+              <a:rPr lang="en-US" b="1" dirty="0" smtClean="0"/>
+              <a:t>Global Object and timer</a:t>
+            </a:r>
+          </a:p>
+          <a:p>
+            <a:pPr algn="l"/>
+            <a:r>
+              <a:rPr lang="en-US" b="1" u="sng" dirty="0" smtClean="0"/>
+              <a:t>For file name and directory</a:t>
+            </a:r>
+            <a:endParaRPr lang="en-US" b="1" u="sng" dirty="0"/>
+          </a:p>
+          <a:p>
+            <a:pPr algn="l"/>
+            <a:r>
+              <a:rPr lang="en-US" dirty="0" smtClean="0"/>
+              <a:t>console.log</a:t>
+            </a:r>
+            <a:r>
+              <a:rPr lang="en-US" dirty="0"/>
+              <a:t>(__filename); //for file name</a:t>
+            </a:r>
+          </a:p>
+          <a:p>
+            <a:pPr algn="l"/>
+            <a:r>
+              <a:rPr lang="en-US" dirty="0"/>
+              <a:t>console.log(__</a:t>
+            </a:r>
+            <a:r>
+              <a:rPr lang="en-US" dirty="0" err="1" smtClean="0"/>
+              <a:t>dirname</a:t>
+            </a:r>
+            <a:r>
+              <a:rPr lang="en-US" dirty="0"/>
+              <a:t>); // for directory </a:t>
+            </a:r>
+            <a:r>
+              <a:rPr lang="en-US" dirty="0" smtClean="0"/>
+              <a:t>name</a:t>
+            </a:r>
+          </a:p>
+          <a:p>
+            <a:pPr algn="l"/>
+            <a:r>
+              <a:rPr lang="en-US" b="1" u="sng" dirty="0"/>
+              <a:t>F</a:t>
+            </a:r>
+            <a:r>
+              <a:rPr lang="en-US" b="1" u="sng" dirty="0" smtClean="0"/>
+              <a:t>or </a:t>
+            </a:r>
+            <a:r>
+              <a:rPr lang="en-US" b="1" u="sng" dirty="0" err="1" smtClean="0"/>
+              <a:t>setTimeout</a:t>
+            </a:r>
+            <a:r>
+              <a:rPr lang="en-US" dirty="0"/>
+              <a:t/>
+            </a:r>
+            <a:br>
+              <a:rPr lang="en-US" dirty="0"/>
+            </a:br>
+            <a:r>
+              <a:rPr lang="en-US" dirty="0" err="1"/>
+              <a:t>printStuff</a:t>
+            </a:r>
+            <a:r>
+              <a:rPr lang="en-US" dirty="0"/>
+              <a:t>=()=&gt;{</a:t>
+            </a:r>
+          </a:p>
+          <a:p>
+            <a:pPr algn="l"/>
+            <a:r>
+              <a:rPr lang="en-US" dirty="0"/>
+              <a:t>    console.log('this was from </a:t>
+            </a:r>
+            <a:r>
+              <a:rPr lang="en-US" dirty="0" err="1"/>
+              <a:t>settimeout</a:t>
+            </a:r>
+            <a:r>
+              <a:rPr lang="en-US" dirty="0" smtClean="0"/>
+              <a:t>');</a:t>
+            </a:r>
+          </a:p>
+          <a:p>
+            <a:pPr algn="l"/>
+            <a:r>
+              <a:rPr lang="en-US" dirty="0" smtClean="0"/>
+              <a:t>}</a:t>
+            </a:r>
+            <a:r>
+              <a:rPr lang="en-US" dirty="0"/>
+              <a:t/>
+            </a:r>
+            <a:br>
+              <a:rPr lang="en-US" dirty="0"/>
+            </a:br>
+            <a:r>
+              <a:rPr lang="en-US" dirty="0" err="1"/>
+              <a:t>setTimeout</a:t>
+            </a:r>
+            <a:r>
+              <a:rPr lang="en-US" dirty="0"/>
+              <a:t>(printStuff,5000</a:t>
+            </a:r>
+            <a:r>
+              <a:rPr lang="en-US" dirty="0" smtClean="0"/>
+              <a:t>);</a:t>
+            </a:r>
+          </a:p>
+          <a:p>
+            <a:pPr algn="l"/>
+            <a:r>
+              <a:rPr lang="en-US" b="1" u="sng" dirty="0"/>
+              <a:t>For </a:t>
+            </a:r>
+            <a:r>
+              <a:rPr lang="en-US" b="1" u="sng" dirty="0" err="1"/>
+              <a:t>setInterval</a:t>
+            </a:r>
+            <a:endParaRPr lang="en-US" b="1" u="sng" dirty="0" smtClean="0"/>
+          </a:p>
+          <a:p>
+            <a:pPr algn="l"/>
+            <a:r>
+              <a:rPr lang="en-US" dirty="0" err="1"/>
+              <a:t>setInterval</a:t>
+            </a:r>
+            <a:r>
+              <a:rPr lang="en-US" dirty="0"/>
+              <a:t>(() =&gt; {</a:t>
+            </a:r>
+          </a:p>
+          <a:p>
+            <a:pPr algn="l"/>
+            <a:r>
+              <a:rPr lang="en-US" dirty="0"/>
+              <a:t>    console.log('this was from </a:t>
+            </a:r>
+            <a:r>
+              <a:rPr lang="en-US" dirty="0" err="1"/>
+              <a:t>setInterval</a:t>
+            </a:r>
+            <a:r>
+              <a:rPr lang="en-US" dirty="0"/>
+              <a:t>');</a:t>
+            </a:r>
+          </a:p>
+          <a:p>
+            <a:pPr algn="l"/>
+            <a:r>
+              <a:rPr lang="en-US" dirty="0"/>
+              <a:t>}, 2000);</a:t>
+            </a:r>
+          </a:p>
+          <a:p>
+            <a:pPr algn="l"/>
+            <a:endParaRPr lang="en-US" dirty="0"/>
+          </a:p>
+          <a:p>
+            <a:pPr algn="l"/>
+            <a:endParaRPr lang="en-US" dirty="0"/>
+          </a:p>
+        </p:txBody>
+      </p:sp>
+    </p:spTree>
+    <p:extLst>
+      <p:ext uri="{BB962C8B-B14F-4D97-AF65-F5344CB8AC3E}">
+        <p14:creationId xmlns:p14="http://schemas.microsoft.com/office/powerpoint/2010/main" val="3514500479"/>
+      </p:ext>
+    </p:extLst>
+  </p:cSld>
+  <p:clrMapOvr>
+    <a:masterClrMapping/>
+  </p:clrMapOvr>
+  <p:timing>
+    <p:tnLst>
+      <p:par>
+        <p:cTn id="1" dur="indefinite" restart="never" nodeType="tmRoot"/>
+      </p:par>
+    </p:tnLst>
+  </p:timing>
+</p:sld>
+</file>
+
+<file path=ppt/slides/slide6.xml><?xml version="1.0" encoding="utf-8"?>
+<p:sld xmlns:a="http://schemas.openxmlformats.org/drawingml/2006/main" xmlns:r="http://schemas.openxmlformats.org/officeDocument/2006/relationships" xmlns:p="http://schemas.openxmlformats.org/presentationml/2006/main">
+  <p:cSld>
+    <p:spTree>
+      <p:nvGrpSpPr>
+        <p:cNvPr id="1" name=""/>
+        <p:cNvGrpSpPr/>
+        <p:nvPr/>
+      </p:nvGrpSpPr>
+      <p:grpSpPr>
+        <a:xfrm>
+          <a:off x="0" y="0"/>
+          <a:ext cx="0" cy="0"/>
+          <a:chOff x="0" y="0"/>
+          <a:chExt cx="0" cy="0"/>
+        </a:xfrm>
+      </p:grpSpPr>
+      <p:sp>
+        <p:nvSpPr>
+          <p:cNvPr id="2" name="Title 1"/>
+          <p:cNvSpPr>
+            <a:spLocks noGrp="1"/>
+          </p:cNvSpPr>
+          <p:nvPr>
+            <p:ph type="ctrTitle"/>
+          </p:nvPr>
+        </p:nvSpPr>
+        <p:spPr>
+          <a:xfrm>
+            <a:off x="1524000" y="386366"/>
+            <a:ext cx="9144000" cy="811368"/>
+          </a:xfrm>
+        </p:spPr>
+        <p:txBody>
+          <a:bodyPr>
+            <a:normAutofit fontScale="90000"/>
+          </a:bodyPr>
+          <a:lstStyle/>
+          <a:p>
+            <a:r>
+              <a:rPr lang="en-US" dirty="0" smtClean="0"/>
+              <a:t/>
+            </a:r>
+            <a:br>
+              <a:rPr lang="en-US" dirty="0" smtClean="0"/>
+            </a:br>
+            <a:r>
+              <a:rPr lang="en-US" dirty="0" smtClean="0"/>
+              <a:t>Node.js Fundamentals</a:t>
+            </a:r>
+            <a:endParaRPr lang="en-US" dirty="0"/>
+          </a:p>
+        </p:txBody>
+      </p:sp>
+      <p:sp>
+        <p:nvSpPr>
+          <p:cNvPr id="3" name="Subtitle 2"/>
+          <p:cNvSpPr>
+            <a:spLocks noGrp="1"/>
+          </p:cNvSpPr>
+          <p:nvPr>
+            <p:ph type="subTitle" idx="1"/>
+          </p:nvPr>
+        </p:nvSpPr>
+        <p:spPr>
+          <a:xfrm>
+            <a:off x="1524000" y="1335355"/>
+            <a:ext cx="9144000" cy="5197525"/>
+          </a:xfrm>
+        </p:spPr>
+        <p:txBody>
+          <a:bodyPr>
+            <a:normAutofit fontScale="47500" lnSpcReduction="20000"/>
+          </a:bodyPr>
+          <a:lstStyle/>
+          <a:p>
+            <a:pPr marL="342900" indent="-342900" algn="l">
+              <a:buFont typeface="Wingdings" panose="05000000000000000000" pitchFamily="2" charset="2"/>
+              <a:buChar char="Ø"/>
+            </a:pPr>
+            <a:r>
+              <a:rPr lang="en-US" sz="5900" b="1" dirty="0" smtClean="0"/>
+              <a:t>Call Back Functions</a:t>
+            </a:r>
+            <a:endParaRPr lang="en-US" sz="5900" b="1" dirty="0" smtClean="0"/>
+          </a:p>
+          <a:p>
+            <a:pPr algn="l"/>
+            <a:r>
+              <a:rPr lang="en-US" dirty="0"/>
+              <a:t/>
+            </a:r>
+            <a:br>
+              <a:rPr lang="en-US" dirty="0"/>
+            </a:br>
+            <a:r>
+              <a:rPr lang="en-US" b="1" dirty="0" err="1"/>
+              <a:t>const</a:t>
+            </a:r>
+            <a:r>
+              <a:rPr lang="en-US" b="1" dirty="0"/>
+              <a:t> </a:t>
+            </a:r>
+            <a:r>
+              <a:rPr lang="en-US" b="1" dirty="0" err="1"/>
+              <a:t>callBack</a:t>
+            </a:r>
+            <a:r>
+              <a:rPr lang="en-US" b="1" dirty="0"/>
+              <a:t>=()=&gt;{</a:t>
+            </a:r>
+          </a:p>
+          <a:p>
+            <a:pPr algn="l"/>
+            <a:r>
+              <a:rPr lang="en-US" b="1" dirty="0"/>
+              <a:t>    console.log('Queried the database and delivered data in 5 seconds')</a:t>
+            </a:r>
+          </a:p>
+          <a:p>
+            <a:pPr algn="l"/>
+            <a:r>
+              <a:rPr lang="en-US" b="1" dirty="0"/>
+              <a:t>}</a:t>
+            </a:r>
+          </a:p>
+          <a:p>
+            <a:pPr algn="l"/>
+            <a:r>
+              <a:rPr lang="en-US" b="1" dirty="0"/>
+              <a:t/>
+            </a:r>
+            <a:br>
+              <a:rPr lang="en-US" b="1" dirty="0"/>
+            </a:br>
+            <a:r>
+              <a:rPr lang="en-US" b="1" dirty="0"/>
+              <a:t>console.log('User 1 made a request');</a:t>
+            </a:r>
+          </a:p>
+          <a:p>
+            <a:pPr algn="l"/>
+            <a:r>
+              <a:rPr lang="en-US" b="1" dirty="0" err="1"/>
+              <a:t>setTimeout</a:t>
+            </a:r>
+            <a:r>
+              <a:rPr lang="en-US" b="1" dirty="0"/>
+              <a:t>(</a:t>
+            </a:r>
+            <a:r>
+              <a:rPr lang="en-US" b="1" dirty="0" err="1"/>
+              <a:t>callBack</a:t>
+            </a:r>
+            <a:r>
+              <a:rPr lang="en-US" b="1" dirty="0"/>
+              <a:t>, 5000);</a:t>
+            </a:r>
+          </a:p>
+          <a:p>
+            <a:pPr algn="l"/>
+            <a:r>
+              <a:rPr lang="en-US" b="1" dirty="0"/>
+              <a:t>// console.log('Database operation takes 5 seconds');</a:t>
+            </a:r>
+          </a:p>
+          <a:p>
+            <a:pPr algn="l"/>
+            <a:r>
+              <a:rPr lang="en-US" b="1" dirty="0"/>
+              <a:t>// console.log('Data Deliver to user');</a:t>
+            </a:r>
+          </a:p>
+          <a:p>
+            <a:pPr algn="l"/>
+            <a:r>
+              <a:rPr lang="en-US" b="1" dirty="0"/>
+              <a:t/>
+            </a:r>
+            <a:br>
+              <a:rPr lang="en-US" b="1" dirty="0"/>
+            </a:br>
+            <a:r>
+              <a:rPr lang="en-US" b="1" dirty="0"/>
+              <a:t/>
+            </a:r>
+            <a:br>
+              <a:rPr lang="en-US" b="1" dirty="0"/>
+            </a:br>
+            <a:r>
+              <a:rPr lang="en-US" b="1" dirty="0"/>
+              <a:t>console.log('User 2 made a request');</a:t>
+            </a:r>
+          </a:p>
+          <a:p>
+            <a:pPr algn="l"/>
+            <a:r>
+              <a:rPr lang="en-US" b="1" dirty="0" err="1"/>
+              <a:t>setTimeout</a:t>
+            </a:r>
+            <a:r>
+              <a:rPr lang="en-US" b="1" dirty="0"/>
+              <a:t>(</a:t>
+            </a:r>
+            <a:r>
+              <a:rPr lang="en-US" b="1" dirty="0" err="1"/>
+              <a:t>callBack</a:t>
+            </a:r>
+            <a:r>
+              <a:rPr lang="en-US" b="1" dirty="0"/>
+              <a:t>, 5000);</a:t>
+            </a:r>
+          </a:p>
+          <a:p>
+            <a:pPr algn="l"/>
+            <a:r>
+              <a:rPr lang="en-US" b="1" dirty="0"/>
+              <a:t>// console.log('Database operation takes 5 seconds');</a:t>
+            </a:r>
+          </a:p>
+          <a:p>
+            <a:pPr algn="l"/>
+            <a:r>
+              <a:rPr lang="en-US" b="1" dirty="0"/>
+              <a:t>// console.log('Data Deliver to user');</a:t>
+            </a:r>
+          </a:p>
+          <a:p>
+            <a:pPr algn="l"/>
+            <a:r>
+              <a:rPr lang="en-US" b="1" dirty="0"/>
+              <a:t/>
+            </a:r>
+            <a:br>
+              <a:rPr lang="en-US" b="1" dirty="0"/>
+            </a:br>
+            <a:r>
+              <a:rPr lang="en-US" b="1" dirty="0"/>
+              <a:t/>
+            </a:r>
+            <a:br>
+              <a:rPr lang="en-US" b="1" dirty="0"/>
+            </a:br>
+            <a:r>
+              <a:rPr lang="en-US" b="1" dirty="0"/>
+              <a:t>console.log('User 3 made a request');</a:t>
+            </a:r>
+          </a:p>
+          <a:p>
+            <a:pPr algn="l"/>
+            <a:r>
+              <a:rPr lang="en-US" b="1" dirty="0" err="1"/>
+              <a:t>setTimeout</a:t>
+            </a:r>
+            <a:r>
+              <a:rPr lang="en-US" b="1" dirty="0"/>
+              <a:t>(</a:t>
+            </a:r>
+            <a:r>
+              <a:rPr lang="en-US" b="1" dirty="0" err="1"/>
+              <a:t>callBack</a:t>
+            </a:r>
+            <a:r>
+              <a:rPr lang="en-US" b="1" dirty="0"/>
+              <a:t>, 5000);</a:t>
+            </a:r>
+          </a:p>
+          <a:p>
+            <a:pPr algn="l"/>
+            <a:r>
+              <a:rPr lang="en-US" b="1" dirty="0"/>
+              <a:t>// console.log('Database operation takes 5 seconds');</a:t>
+            </a:r>
+          </a:p>
+          <a:p>
+            <a:pPr algn="l"/>
+            <a:r>
+              <a:rPr lang="en-US" b="1" dirty="0"/>
+              <a:t>// console.log('Data Deliver to user');</a:t>
+            </a:r>
+          </a:p>
+          <a:p>
+            <a:pPr algn="l"/>
+            <a:r>
+              <a:rPr lang="en-US" dirty="0"/>
+              <a:t/>
+            </a:r>
+            <a:br>
+              <a:rPr lang="en-US" dirty="0"/>
+            </a:br>
+            <a:endParaRPr lang="en-US" dirty="0"/>
+          </a:p>
+          <a:p>
+            <a:pPr algn="l"/>
+            <a:endParaRPr lang="en-US" dirty="0"/>
+          </a:p>
+          <a:p>
+            <a:pPr algn="l"/>
+            <a:endParaRPr lang="en-US" dirty="0"/>
+          </a:p>
+          <a:p>
+            <a:pPr algn="l"/>
+            <a:endParaRPr lang="en-US" dirty="0"/>
+          </a:p>
+        </p:txBody>
+      </p:sp>
+    </p:spTree>
+    <p:extLst>
+      <p:ext uri="{BB962C8B-B14F-4D97-AF65-F5344CB8AC3E}">
+        <p14:creationId xmlns:p14="http://schemas.microsoft.com/office/powerpoint/2010/main" val="702949936"/>
+      </p:ext>
+    </p:extLst>
+  </p:cSld>
+  <p:clrMapOvr>
+    <a:masterClrMapping/>
+  </p:clrMapOvr>
+  <p:timing>
+    <p:tnLst>
+      <p:par>
+        <p:cTn id="1" dur="indefinite" restart="never" nodeType="tmRoot"/>
+      </p:par>
+    </p:tnLst>
+  </p:timing>
+</p:sld>
+</file>
+
+<file path=ppt/slides/slide7.xml><?xml version="1.0" encoding="utf-8"?>
+<p:sld xmlns:a="http://schemas.openxmlformats.org/drawingml/2006/main" xmlns:r="http://schemas.openxmlformats.org/officeDocument/2006/relationships" xmlns:p="http://schemas.openxmlformats.org/presentationml/2006/main">
+  <p:cSld>
+    <p:spTree>
+      <p:nvGrpSpPr>
+        <p:cNvPr id="1" name=""/>
+        <p:cNvGrpSpPr/>
+        <p:nvPr/>
+      </p:nvGrpSpPr>
+      <p:grpSpPr>
+        <a:xfrm>
+          <a:off x="0" y="0"/>
+          <a:ext cx="0" cy="0"/>
+          <a:chOff x="0" y="0"/>
+          <a:chExt cx="0" cy="0"/>
+        </a:xfrm>
+      </p:grpSpPr>
+      <p:sp>
+        <p:nvSpPr>
+          <p:cNvPr id="2" name="Title 1"/>
+          <p:cNvSpPr>
+            <a:spLocks noGrp="1"/>
+          </p:cNvSpPr>
+          <p:nvPr>
+            <p:ph type="ctrTitle"/>
+          </p:nvPr>
+        </p:nvSpPr>
+        <p:spPr>
+          <a:xfrm>
+            <a:off x="1524000" y="386366"/>
+            <a:ext cx="9144000" cy="811368"/>
+          </a:xfrm>
+        </p:spPr>
+        <p:txBody>
+          <a:bodyPr>
+            <a:normAutofit fontScale="90000"/>
+          </a:bodyPr>
+          <a:lstStyle/>
+          <a:p>
+            <a:r>
+              <a:rPr lang="en-US" dirty="0" smtClean="0"/>
+              <a:t/>
+            </a:r>
+            <a:br>
+              <a:rPr lang="en-US" dirty="0" smtClean="0"/>
+            </a:br>
+            <a:r>
+              <a:rPr lang="en-US" dirty="0" smtClean="0"/>
+              <a:t>Node.js Fundamentals</a:t>
+            </a:r>
+            <a:endParaRPr lang="en-US" dirty="0"/>
+          </a:p>
+        </p:txBody>
+      </p:sp>
+      <p:sp>
+        <p:nvSpPr>
+          <p:cNvPr id="3" name="Subtitle 2"/>
+          <p:cNvSpPr>
+            <a:spLocks noGrp="1"/>
+          </p:cNvSpPr>
+          <p:nvPr>
+            <p:ph type="subTitle" idx="1"/>
+          </p:nvPr>
+        </p:nvSpPr>
+        <p:spPr>
+          <a:xfrm>
+            <a:off x="1524000" y="1335355"/>
+            <a:ext cx="9144000" cy="5197525"/>
+          </a:xfrm>
+        </p:spPr>
+        <p:txBody>
+          <a:bodyPr>
+            <a:normAutofit fontScale="47500" lnSpcReduction="20000"/>
+          </a:bodyPr>
+          <a:lstStyle/>
+          <a:p>
+            <a:pPr marL="342900" indent="-342900" algn="l">
+              <a:buFont typeface="Wingdings" panose="05000000000000000000" pitchFamily="2" charset="2"/>
+              <a:buChar char="Ø"/>
+            </a:pPr>
+            <a:r>
+              <a:rPr lang="en-US" sz="5900" b="1" dirty="0" smtClean="0"/>
+              <a:t>Module Functions – To create functions file</a:t>
+            </a:r>
+          </a:p>
+          <a:p>
+            <a:pPr algn="l"/>
+            <a:r>
+              <a:rPr lang="en-US" sz="3400" b="1" dirty="0" smtClean="0"/>
+              <a:t>Athletics functions:</a:t>
+            </a:r>
+            <a:r>
+              <a:rPr lang="en-US" sz="3400" dirty="0" smtClean="0"/>
+              <a:t> This function contains multiple functions like </a:t>
+            </a:r>
+            <a:r>
+              <a:rPr lang="en-US" sz="3400" b="1" dirty="0" smtClean="0"/>
+              <a:t>relay() </a:t>
+            </a:r>
+            <a:r>
+              <a:rPr lang="en-US" sz="3400" dirty="0" smtClean="0"/>
+              <a:t>and </a:t>
+            </a:r>
+            <a:r>
+              <a:rPr lang="en-US" sz="3400" b="1" dirty="0" err="1" smtClean="0"/>
+              <a:t>lognJump</a:t>
+            </a:r>
+            <a:r>
+              <a:rPr lang="en-US" sz="3400" b="1" dirty="0" smtClean="0"/>
+              <a:t>() as like below.</a:t>
+            </a:r>
+            <a:endParaRPr lang="en-US" sz="3400" dirty="0" smtClean="0"/>
+          </a:p>
+          <a:p>
+            <a:pPr algn="l"/>
+            <a:r>
+              <a:rPr lang="en-US" b="1" dirty="0" err="1" smtClean="0"/>
+              <a:t>const</a:t>
+            </a:r>
+            <a:r>
+              <a:rPr lang="en-US" b="1" dirty="0" smtClean="0"/>
+              <a:t> </a:t>
+            </a:r>
+            <a:r>
+              <a:rPr lang="en-US" b="1" dirty="0"/>
+              <a:t>relay=()=&gt;{</a:t>
+            </a:r>
+          </a:p>
+          <a:p>
+            <a:pPr algn="l"/>
+            <a:r>
+              <a:rPr lang="en-US" b="1" dirty="0"/>
+              <a:t>    console.log('This is relay function')</a:t>
+            </a:r>
+          </a:p>
+          <a:p>
+            <a:pPr algn="l"/>
+            <a:r>
+              <a:rPr lang="en-US" b="1" dirty="0"/>
+              <a:t>}</a:t>
+            </a:r>
+          </a:p>
+          <a:p>
+            <a:pPr algn="l"/>
+            <a:r>
+              <a:rPr lang="en-US" b="1" dirty="0"/>
+              <a:t/>
+            </a:r>
+            <a:br>
+              <a:rPr lang="en-US" b="1" dirty="0"/>
+            </a:br>
+            <a:r>
+              <a:rPr lang="en-US" b="1" dirty="0"/>
+              <a:t/>
+            </a:r>
+            <a:br>
+              <a:rPr lang="en-US" b="1" dirty="0"/>
+            </a:br>
+            <a:r>
+              <a:rPr lang="en-US" b="1" dirty="0" err="1"/>
+              <a:t>const</a:t>
+            </a:r>
+            <a:r>
+              <a:rPr lang="en-US" b="1" dirty="0"/>
+              <a:t> </a:t>
+            </a:r>
+            <a:r>
+              <a:rPr lang="en-US" b="1" dirty="0" err="1"/>
+              <a:t>longJump</a:t>
+            </a:r>
+            <a:r>
+              <a:rPr lang="en-US" b="1" dirty="0"/>
+              <a:t>=()=&gt;{</a:t>
+            </a:r>
+          </a:p>
+          <a:p>
+            <a:pPr algn="l"/>
+            <a:r>
+              <a:rPr lang="en-US" b="1" dirty="0"/>
+              <a:t>    console.log('This is long jump function')</a:t>
+            </a:r>
+          </a:p>
+          <a:p>
+            <a:pPr algn="l"/>
+            <a:r>
+              <a:rPr lang="en-US" b="1" dirty="0"/>
+              <a:t>}</a:t>
+            </a:r>
+          </a:p>
+          <a:p>
+            <a:pPr algn="l"/>
+            <a:r>
+              <a:rPr lang="en-US" b="1" dirty="0"/>
+              <a:t/>
+            </a:r>
+            <a:br>
+              <a:rPr lang="en-US" b="1" dirty="0"/>
+            </a:br>
+            <a:r>
+              <a:rPr lang="en-US" b="1" dirty="0"/>
+              <a:t>/*</a:t>
+            </a:r>
+          </a:p>
+          <a:p>
+            <a:pPr algn="l"/>
+            <a:r>
+              <a:rPr lang="en-US" b="1" dirty="0" err="1"/>
+              <a:t>module.exports.relay</a:t>
+            </a:r>
+            <a:r>
+              <a:rPr lang="en-US" b="1" dirty="0"/>
+              <a:t>=relay;</a:t>
+            </a:r>
+          </a:p>
+          <a:p>
+            <a:pPr algn="l"/>
+            <a:r>
+              <a:rPr lang="en-US" b="1" dirty="0" err="1"/>
+              <a:t>module.exports.longJump</a:t>
+            </a:r>
+            <a:r>
+              <a:rPr lang="en-US" b="1" dirty="0"/>
+              <a:t>=</a:t>
+            </a:r>
+            <a:r>
+              <a:rPr lang="en-US" b="1" dirty="0" err="1"/>
+              <a:t>longJump</a:t>
+            </a:r>
+            <a:r>
+              <a:rPr lang="en-US" b="1" dirty="0"/>
+              <a:t>;</a:t>
+            </a:r>
+          </a:p>
+          <a:p>
+            <a:pPr algn="l"/>
+            <a:r>
+              <a:rPr lang="en-US" b="1" dirty="0"/>
+              <a:t>*/</a:t>
+            </a:r>
+          </a:p>
+          <a:p>
+            <a:pPr algn="l"/>
+            <a:r>
+              <a:rPr lang="en-US" b="1" dirty="0"/>
+              <a:t/>
+            </a:r>
+            <a:br>
+              <a:rPr lang="en-US" b="1" dirty="0"/>
+            </a:br>
+            <a:r>
+              <a:rPr lang="en-US" b="1" dirty="0"/>
+              <a:t>//We can replace the above commented two lines with below code </a:t>
+            </a:r>
+            <a:r>
+              <a:rPr lang="en-US" b="1" dirty="0" err="1"/>
+              <a:t>snipet</a:t>
+            </a:r>
+            <a:endParaRPr lang="en-US" b="1" dirty="0"/>
+          </a:p>
+          <a:p>
+            <a:pPr algn="l"/>
+            <a:r>
+              <a:rPr lang="en-US" b="1" dirty="0" err="1"/>
+              <a:t>module.exports</a:t>
+            </a:r>
+            <a:r>
+              <a:rPr lang="en-US" b="1" dirty="0"/>
+              <a:t>={</a:t>
+            </a:r>
+          </a:p>
+          <a:p>
+            <a:pPr algn="l"/>
+            <a:r>
+              <a:rPr lang="en-US" b="1" dirty="0"/>
+              <a:t>    </a:t>
+            </a:r>
+            <a:r>
+              <a:rPr lang="en-US" b="1" dirty="0" err="1"/>
+              <a:t>relay:relay</a:t>
+            </a:r>
+            <a:r>
+              <a:rPr lang="en-US" b="1" dirty="0"/>
+              <a:t>,</a:t>
+            </a:r>
+          </a:p>
+          <a:p>
+            <a:pPr algn="l"/>
+            <a:r>
+              <a:rPr lang="en-US" b="1" dirty="0"/>
+              <a:t>    </a:t>
+            </a:r>
+            <a:r>
+              <a:rPr lang="en-US" b="1" dirty="0" err="1"/>
+              <a:t>longJump:longJump</a:t>
+            </a:r>
+            <a:endParaRPr lang="en-US" b="1" dirty="0"/>
+          </a:p>
+          <a:p>
+            <a:pPr algn="l"/>
+            <a:r>
+              <a:rPr lang="en-US" b="1" dirty="0"/>
+              <a:t>}</a:t>
+            </a:r>
+          </a:p>
+          <a:p>
+            <a:pPr algn="l"/>
+            <a:r>
+              <a:rPr lang="en-US" dirty="0"/>
+              <a:t/>
+            </a:r>
+            <a:br>
+              <a:rPr lang="en-US" dirty="0"/>
+            </a:br>
+            <a:endParaRPr lang="en-US" dirty="0"/>
+          </a:p>
+          <a:p>
+            <a:pPr algn="l"/>
+            <a:endParaRPr lang="en-US" dirty="0"/>
+          </a:p>
+          <a:p>
+            <a:pPr algn="l"/>
+            <a:endParaRPr lang="en-US" dirty="0"/>
+          </a:p>
+          <a:p>
+            <a:pPr algn="l"/>
+            <a:endParaRPr lang="en-US" dirty="0"/>
+          </a:p>
+        </p:txBody>
+      </p:sp>
+    </p:spTree>
+    <p:extLst>
+      <p:ext uri="{BB962C8B-B14F-4D97-AF65-F5344CB8AC3E}">
+        <p14:creationId xmlns:p14="http://schemas.microsoft.com/office/powerpoint/2010/main" val="2137354694"/>
+      </p:ext>
+    </p:extLst>
+  </p:cSld>
+  <p:clrMapOvr>
+    <a:masterClrMapping/>
+  </p:clrMapOvr>
+  <p:timing>
+    <p:tnLst>
+      <p:par>
+        <p:cTn id="1" dur="indefinite" restart="never" nodeType="tmRoot"/>
+      </p:par>
+    </p:tnLst>
+  </p:timing>
+</p:sld>
+</file>
+
+<file path=ppt/slides/slide8.xml><?xml version="1.0" encoding="utf-8"?>
+<p:sld xmlns:a="http://schemas.openxmlformats.org/drawingml/2006/main" xmlns:r="http://schemas.openxmlformats.org/officeDocument/2006/relationships" xmlns:p="http://schemas.openxmlformats.org/presentationml/2006/main">
+  <p:cSld>
+    <p:spTree>
+      <p:nvGrpSpPr>
+        <p:cNvPr id="1" name=""/>
+        <p:cNvGrpSpPr/>
+        <p:nvPr/>
+      </p:nvGrpSpPr>
+      <p:grpSpPr>
+        <a:xfrm>
+          <a:off x="0" y="0"/>
+          <a:ext cx="0" cy="0"/>
+          <a:chOff x="0" y="0"/>
+          <a:chExt cx="0" cy="0"/>
+        </a:xfrm>
+      </p:grpSpPr>
+      <p:sp>
+        <p:nvSpPr>
+          <p:cNvPr id="2" name="Title 1"/>
+          <p:cNvSpPr>
+            <a:spLocks noGrp="1"/>
+          </p:cNvSpPr>
+          <p:nvPr>
+            <p:ph type="ctrTitle"/>
+          </p:nvPr>
+        </p:nvSpPr>
+        <p:spPr>
+          <a:xfrm>
+            <a:off x="1524000" y="386366"/>
+            <a:ext cx="9144000" cy="811368"/>
+          </a:xfrm>
+        </p:spPr>
+        <p:txBody>
+          <a:bodyPr>
+            <a:normAutofit fontScale="90000"/>
+          </a:bodyPr>
+          <a:lstStyle/>
+          <a:p>
+            <a:r>
+              <a:rPr lang="en-US" dirty="0" smtClean="0"/>
+              <a:t/>
+            </a:r>
+            <a:br>
+              <a:rPr lang="en-US" dirty="0" smtClean="0"/>
+            </a:br>
+            <a:r>
+              <a:rPr lang="en-US" dirty="0" smtClean="0"/>
+              <a:t>Node.js Fundamentals</a:t>
+            </a:r>
+            <a:endParaRPr lang="en-US" dirty="0"/>
+          </a:p>
+        </p:txBody>
+      </p:sp>
+      <p:sp>
+        <p:nvSpPr>
+          <p:cNvPr id="3" name="Subtitle 2"/>
+          <p:cNvSpPr>
+            <a:spLocks noGrp="1"/>
+          </p:cNvSpPr>
+          <p:nvPr>
+            <p:ph type="subTitle" idx="1"/>
+          </p:nvPr>
+        </p:nvSpPr>
+        <p:spPr>
+          <a:xfrm>
+            <a:off x="1524000" y="1335355"/>
+            <a:ext cx="9144000" cy="5197525"/>
+          </a:xfrm>
+        </p:spPr>
+        <p:txBody>
+          <a:bodyPr>
+            <a:normAutofit/>
+          </a:bodyPr>
+          <a:lstStyle/>
+          <a:p>
+            <a:pPr marL="342900" indent="-342900" algn="l">
+              <a:buFont typeface="Wingdings" panose="05000000000000000000" pitchFamily="2" charset="2"/>
+              <a:buChar char="Ø"/>
+            </a:pPr>
+            <a:r>
+              <a:rPr lang="en-US" sz="2600" b="1" dirty="0" smtClean="0"/>
+              <a:t>Module Functions – To create a </a:t>
+            </a:r>
+            <a:r>
+              <a:rPr lang="en-US" sz="2600" b="1" dirty="0" err="1" smtClean="0"/>
+              <a:t>js</a:t>
+            </a:r>
+            <a:r>
+              <a:rPr lang="en-US" sz="2600" b="1" dirty="0" smtClean="0"/>
+              <a:t> file which can export</a:t>
+            </a:r>
+          </a:p>
+          <a:p>
+            <a:pPr algn="l"/>
+            <a:r>
+              <a:rPr lang="en-US" sz="2000" b="1" u="sng" dirty="0" smtClean="0"/>
+              <a:t>Module Combine </a:t>
+            </a:r>
+            <a:r>
+              <a:rPr lang="en-US" sz="2000" b="1" u="sng" dirty="0" err="1" smtClean="0"/>
+              <a:t>Functions:</a:t>
+            </a:r>
+            <a:r>
+              <a:rPr lang="en-US" sz="2000" dirty="0" err="1" smtClean="0"/>
+              <a:t>This</a:t>
+            </a:r>
+            <a:r>
+              <a:rPr lang="en-US" sz="2000" dirty="0" smtClean="0"/>
+              <a:t> function is using to export both </a:t>
+            </a:r>
+            <a:r>
+              <a:rPr lang="en-US" sz="2000" dirty="0" err="1" smtClean="0"/>
+              <a:t>functons</a:t>
+            </a:r>
+            <a:r>
+              <a:rPr lang="en-US" sz="2000" dirty="0" smtClean="0"/>
+              <a:t> like </a:t>
+            </a:r>
+            <a:r>
+              <a:rPr lang="en-US" sz="2000" b="1" dirty="0" smtClean="0"/>
+              <a:t>relay</a:t>
+            </a:r>
+            <a:r>
+              <a:rPr lang="en-US" sz="2000" dirty="0" smtClean="0"/>
+              <a:t> and </a:t>
+            </a:r>
+            <a:r>
+              <a:rPr lang="en-US" sz="2000" b="1" dirty="0" err="1" smtClean="0"/>
+              <a:t>logJump</a:t>
+            </a:r>
+            <a:endParaRPr lang="en-US" sz="2000" b="1" dirty="0" smtClean="0"/>
+          </a:p>
+          <a:p>
+            <a:pPr algn="l"/>
+            <a:r>
+              <a:rPr lang="en-US" sz="1600" dirty="0"/>
+              <a:t>let athletics=require('./</a:t>
+            </a:r>
+            <a:r>
+              <a:rPr lang="en-US" sz="1600" dirty="0" err="1"/>
+              <a:t>moduleFunctions</a:t>
+            </a:r>
+            <a:r>
+              <a:rPr lang="en-US" sz="1600" dirty="0"/>
+              <a:t>/Athletics');</a:t>
+            </a:r>
+          </a:p>
+          <a:p>
+            <a:pPr algn="l"/>
+            <a:r>
+              <a:rPr lang="en-US" sz="1600" dirty="0"/>
+              <a:t/>
+            </a:r>
+            <a:br>
+              <a:rPr lang="en-US" sz="1600" dirty="0"/>
+            </a:br>
+            <a:r>
+              <a:rPr lang="en-US" sz="1600" dirty="0" err="1"/>
+              <a:t>athletics.relay</a:t>
+            </a:r>
+            <a:r>
+              <a:rPr lang="en-US" sz="1600" dirty="0"/>
+              <a:t>();</a:t>
+            </a:r>
+          </a:p>
+          <a:p>
+            <a:pPr algn="l"/>
+            <a:r>
+              <a:rPr lang="en-US" sz="1600" dirty="0" err="1"/>
+              <a:t>athletics.longJump</a:t>
+            </a:r>
+            <a:r>
+              <a:rPr lang="en-US" sz="1600" dirty="0"/>
+              <a:t>();</a:t>
+            </a:r>
+          </a:p>
+          <a:p>
+            <a:pPr algn="l"/>
+            <a:r>
+              <a:rPr lang="en-US" sz="1600" b="1" dirty="0"/>
+              <a:t> </a:t>
+            </a:r>
+          </a:p>
+          <a:p>
+            <a:pPr algn="l"/>
+            <a:r>
+              <a:rPr lang="en-US" dirty="0"/>
+              <a:t/>
+            </a:r>
+            <a:br>
+              <a:rPr lang="en-US" dirty="0"/>
+            </a:br>
+            <a:endParaRPr lang="en-US" dirty="0"/>
+          </a:p>
+          <a:p>
+            <a:pPr algn="l"/>
+            <a:endParaRPr lang="en-US" dirty="0"/>
+          </a:p>
+          <a:p>
+            <a:pPr algn="l"/>
+            <a:endParaRPr lang="en-US" dirty="0"/>
+          </a:p>
+          <a:p>
+            <a:pPr algn="l"/>
+            <a:endParaRPr lang="en-US" dirty="0"/>
+          </a:p>
+        </p:txBody>
+      </p:sp>
+    </p:spTree>
+    <p:extLst>
+      <p:ext uri="{BB962C8B-B14F-4D97-AF65-F5344CB8AC3E}">
+        <p14:creationId xmlns:p14="http://schemas.microsoft.com/office/powerpoint/2010/main" val="1860011828"/>
+      </p:ext>
+    </p:extLst>
+  </p:cSld>
+  <p:clrMapOvr>
+    <a:masterClrMapping/>
+  </p:clrMapOvr>
+  <p:timing>
+    <p:tnLst>
+      <p:par>
+        <p:cTn id="1" dur="indefinite" restart="never" nodeType="tmRoot"/>
+      </p:par>
+    </p:tnLst>
+  </p:timing>
+</p:sld>
+</file>
+
 <file path=ppt/theme/theme1.xml><?xml version="1.0" encoding="utf-8"?>
 <a:theme xmlns:a="http://schemas.openxmlformats.org/drawingml/2006/main" name="Office Theme">
   <a:themeElements>

--- a/ppt/01. Introduction.pptx
+++ b/ppt/01. Introduction.pptx
@@ -13,6 +13,12 @@
     <p:sldId id="261" r:id="rId7"/>
     <p:sldId id="262" r:id="rId8"/>
     <p:sldId id="263" r:id="rId9"/>
+    <p:sldId id="264" r:id="rId10"/>
+    <p:sldId id="265" r:id="rId11"/>
+    <p:sldId id="266" r:id="rId12"/>
+    <p:sldId id="267" r:id="rId13"/>
+    <p:sldId id="268" r:id="rId14"/>
+    <p:sldId id="269" r:id="rId15"/>
   </p:sldIdLst>
   <p:sldSz cx="12192000" cy="6858000"/>
   <p:notesSz cx="6858000" cy="9144000"/>
@@ -3373,6 +3379,1580 @@
 </p:sld>
 </file>
 
+<file path=ppt/slides/slide10.xml><?xml version="1.0" encoding="utf-8"?>
+<p:sld xmlns:a="http://schemas.openxmlformats.org/drawingml/2006/main" xmlns:r="http://schemas.openxmlformats.org/officeDocument/2006/relationships" xmlns:p="http://schemas.openxmlformats.org/presentationml/2006/main">
+  <p:cSld>
+    <p:spTree>
+      <p:nvGrpSpPr>
+        <p:cNvPr id="1" name=""/>
+        <p:cNvGrpSpPr/>
+        <p:nvPr/>
+      </p:nvGrpSpPr>
+      <p:grpSpPr>
+        <a:xfrm>
+          <a:off x="0" y="0"/>
+          <a:ext cx="0" cy="0"/>
+          <a:chOff x="0" y="0"/>
+          <a:chExt cx="0" cy="0"/>
+        </a:xfrm>
+      </p:grpSpPr>
+      <p:sp>
+        <p:nvSpPr>
+          <p:cNvPr id="2" name="Title 1"/>
+          <p:cNvSpPr>
+            <a:spLocks noGrp="1"/>
+          </p:cNvSpPr>
+          <p:nvPr>
+            <p:ph type="ctrTitle"/>
+          </p:nvPr>
+        </p:nvSpPr>
+        <p:spPr>
+          <a:xfrm>
+            <a:off x="1524000" y="386366"/>
+            <a:ext cx="9144000" cy="811368"/>
+          </a:xfrm>
+        </p:spPr>
+        <p:txBody>
+          <a:bodyPr>
+            <a:normAutofit fontScale="90000"/>
+          </a:bodyPr>
+          <a:lstStyle/>
+          <a:p>
+            <a:r>
+              <a:rPr lang="en-US" dirty="0" smtClean="0"/>
+              <a:t/>
+            </a:r>
+            <a:br>
+              <a:rPr lang="en-US" dirty="0" smtClean="0"/>
+            </a:br>
+            <a:r>
+              <a:rPr lang="en-US" dirty="0" smtClean="0"/>
+              <a:t>Node.js Fundamentals</a:t>
+            </a:r>
+            <a:endParaRPr lang="en-US" dirty="0"/>
+          </a:p>
+        </p:txBody>
+      </p:sp>
+      <p:sp>
+        <p:nvSpPr>
+          <p:cNvPr id="3" name="Subtitle 2"/>
+          <p:cNvSpPr>
+            <a:spLocks noGrp="1"/>
+          </p:cNvSpPr>
+          <p:nvPr>
+            <p:ph type="subTitle" idx="1"/>
+          </p:nvPr>
+        </p:nvSpPr>
+        <p:spPr>
+          <a:xfrm>
+            <a:off x="1524000" y="1335355"/>
+            <a:ext cx="9144000" cy="5197525"/>
+          </a:xfrm>
+        </p:spPr>
+        <p:txBody>
+          <a:bodyPr>
+            <a:normAutofit fontScale="32500" lnSpcReduction="20000"/>
+          </a:bodyPr>
+          <a:lstStyle/>
+          <a:p>
+            <a:pPr marL="342900" indent="-342900" algn="l">
+              <a:buFont typeface="Wingdings" panose="05000000000000000000" pitchFamily="2" charset="2"/>
+              <a:buChar char="Ø"/>
+            </a:pPr>
+            <a:r>
+              <a:rPr lang="en-US" sz="9600" b="1" dirty="0" smtClean="0"/>
+              <a:t>Stream – Write INTO File</a:t>
+            </a:r>
+          </a:p>
+          <a:p>
+            <a:pPr algn="l"/>
+            <a:r>
+              <a:rPr lang="en-US" sz="6000" b="1" u="sng" dirty="0"/>
+              <a:t>Write Data into </a:t>
+            </a:r>
+            <a:r>
+              <a:rPr lang="en-US" sz="6000" b="1" u="sng" dirty="0" smtClean="0"/>
+              <a:t>File</a:t>
+            </a:r>
+          </a:p>
+          <a:p>
+            <a:pPr algn="l"/>
+            <a:r>
+              <a:rPr lang="en-US" sz="6000" dirty="0" smtClean="0"/>
+              <a:t>let </a:t>
+            </a:r>
+            <a:r>
+              <a:rPr lang="en-US" sz="6000" dirty="0" err="1"/>
+              <a:t>fs</a:t>
+            </a:r>
+            <a:r>
+              <a:rPr lang="en-US" sz="6000" dirty="0"/>
+              <a:t> = require('</a:t>
+            </a:r>
+            <a:r>
+              <a:rPr lang="en-US" sz="6000" dirty="0" err="1"/>
+              <a:t>fs</a:t>
+            </a:r>
+            <a:r>
+              <a:rPr lang="en-US" sz="6000" dirty="0" smtClean="0"/>
+              <a:t>');</a:t>
+            </a:r>
+          </a:p>
+          <a:p>
+            <a:pPr algn="l"/>
+            <a:r>
+              <a:rPr lang="en-US" sz="6000" dirty="0"/>
+              <a:t/>
+            </a:r>
+            <a:br>
+              <a:rPr lang="en-US" sz="6000" dirty="0"/>
+            </a:br>
+            <a:r>
+              <a:rPr lang="en-US" sz="6000" dirty="0" smtClean="0"/>
+              <a:t>let </a:t>
+            </a:r>
+            <a:r>
+              <a:rPr lang="en-US" sz="6000" dirty="0" err="1"/>
+              <a:t>writeData</a:t>
+            </a:r>
+            <a:r>
+              <a:rPr lang="en-US" sz="6000" dirty="0"/>
+              <a:t>='Hello Node Js'</a:t>
+            </a:r>
+          </a:p>
+          <a:p>
+            <a:pPr algn="l"/>
+            <a:r>
+              <a:rPr lang="en-US" sz="6000" dirty="0"/>
+              <a:t>let </a:t>
+            </a:r>
+            <a:r>
+              <a:rPr lang="en-US" sz="6000" dirty="0" err="1"/>
+              <a:t>writableStream</a:t>
+            </a:r>
+            <a:r>
+              <a:rPr lang="en-US" sz="6000" dirty="0"/>
+              <a:t>=</a:t>
+            </a:r>
+            <a:r>
+              <a:rPr lang="en-US" sz="6000" dirty="0" err="1"/>
+              <a:t>fs.createWriteStream</a:t>
+            </a:r>
+            <a:r>
+              <a:rPr lang="en-US" sz="6000" dirty="0"/>
+              <a:t>('./streams/stream-output.txt');</a:t>
+            </a:r>
+          </a:p>
+          <a:p>
+            <a:pPr algn="l"/>
+            <a:r>
+              <a:rPr lang="en-US" sz="6000" dirty="0" err="1"/>
+              <a:t>writableStream.write</a:t>
+            </a:r>
+            <a:r>
+              <a:rPr lang="en-US" sz="6000" dirty="0"/>
+              <a:t>(writeData,'UTF8');</a:t>
+            </a:r>
+          </a:p>
+          <a:p>
+            <a:pPr algn="l"/>
+            <a:r>
+              <a:rPr lang="en-US" sz="6000" dirty="0" err="1"/>
+              <a:t>writableStream.end</a:t>
+            </a:r>
+            <a:r>
+              <a:rPr lang="en-US" sz="6000" dirty="0"/>
+              <a:t>();</a:t>
+            </a:r>
+          </a:p>
+          <a:p>
+            <a:pPr algn="l"/>
+            <a:r>
+              <a:rPr lang="en-US" sz="6000" dirty="0" err="1"/>
+              <a:t>writableStream.on</a:t>
+            </a:r>
+            <a:r>
+              <a:rPr lang="en-US" sz="6000" dirty="0"/>
+              <a:t>('finish',()=&gt;{</a:t>
+            </a:r>
+          </a:p>
+          <a:p>
+            <a:pPr algn="l"/>
+            <a:r>
+              <a:rPr lang="en-US" sz="6000" dirty="0"/>
+              <a:t>    console.log('Write Completed');</a:t>
+            </a:r>
+          </a:p>
+          <a:p>
+            <a:pPr algn="l"/>
+            <a:r>
+              <a:rPr lang="en-US" sz="6000" dirty="0"/>
+              <a:t>})</a:t>
+            </a:r>
+          </a:p>
+          <a:p>
+            <a:pPr algn="l"/>
+            <a:endParaRPr lang="en-US" sz="5600" b="1" dirty="0"/>
+          </a:p>
+          <a:p>
+            <a:r>
+              <a:rPr lang="en-US" dirty="0"/>
+              <a:t/>
+            </a:r>
+            <a:br>
+              <a:rPr lang="en-US" dirty="0"/>
+            </a:br>
+            <a:r>
+              <a:rPr lang="en-US" dirty="0"/>
+              <a:t/>
+            </a:r>
+            <a:br>
+              <a:rPr lang="en-US" dirty="0"/>
+            </a:br>
+            <a:r>
+              <a:rPr lang="en-US" dirty="0"/>
+              <a:t/>
+            </a:r>
+            <a:br>
+              <a:rPr lang="en-US" dirty="0"/>
+            </a:br>
+            <a:endParaRPr lang="en-US" dirty="0"/>
+          </a:p>
+          <a:p>
+            <a:pPr algn="l"/>
+            <a:r>
+              <a:rPr lang="en-US" dirty="0"/>
+              <a:t/>
+            </a:r>
+            <a:br>
+              <a:rPr lang="en-US" dirty="0"/>
+            </a:br>
+            <a:endParaRPr lang="en-US" dirty="0"/>
+          </a:p>
+          <a:p>
+            <a:pPr algn="l"/>
+            <a:endParaRPr lang="en-US" dirty="0"/>
+          </a:p>
+          <a:p>
+            <a:pPr algn="l"/>
+            <a:endParaRPr lang="en-US" dirty="0"/>
+          </a:p>
+          <a:p>
+            <a:pPr algn="l"/>
+            <a:endParaRPr lang="en-US" dirty="0"/>
+          </a:p>
+        </p:txBody>
+      </p:sp>
+    </p:spTree>
+    <p:extLst>
+      <p:ext uri="{BB962C8B-B14F-4D97-AF65-F5344CB8AC3E}">
+        <p14:creationId xmlns:p14="http://schemas.microsoft.com/office/powerpoint/2010/main" val="1388676225"/>
+      </p:ext>
+    </p:extLst>
+  </p:cSld>
+  <p:clrMapOvr>
+    <a:masterClrMapping/>
+  </p:clrMapOvr>
+  <p:timing>
+    <p:tnLst>
+      <p:par>
+        <p:cTn id="1" dur="indefinite" restart="never" nodeType="tmRoot"/>
+      </p:par>
+    </p:tnLst>
+  </p:timing>
+</p:sld>
+</file>
+
+<file path=ppt/slides/slide11.xml><?xml version="1.0" encoding="utf-8"?>
+<p:sld xmlns:a="http://schemas.openxmlformats.org/drawingml/2006/main" xmlns:r="http://schemas.openxmlformats.org/officeDocument/2006/relationships" xmlns:p="http://schemas.openxmlformats.org/presentationml/2006/main">
+  <p:cSld>
+    <p:spTree>
+      <p:nvGrpSpPr>
+        <p:cNvPr id="1" name=""/>
+        <p:cNvGrpSpPr/>
+        <p:nvPr/>
+      </p:nvGrpSpPr>
+      <p:grpSpPr>
+        <a:xfrm>
+          <a:off x="0" y="0"/>
+          <a:ext cx="0" cy="0"/>
+          <a:chOff x="0" y="0"/>
+          <a:chExt cx="0" cy="0"/>
+        </a:xfrm>
+      </p:grpSpPr>
+      <p:sp>
+        <p:nvSpPr>
+          <p:cNvPr id="2" name="Title 1"/>
+          <p:cNvSpPr>
+            <a:spLocks noGrp="1"/>
+          </p:cNvSpPr>
+          <p:nvPr>
+            <p:ph type="ctrTitle"/>
+          </p:nvPr>
+        </p:nvSpPr>
+        <p:spPr>
+          <a:xfrm>
+            <a:off x="1524000" y="386366"/>
+            <a:ext cx="9144000" cy="811368"/>
+          </a:xfrm>
+        </p:spPr>
+        <p:txBody>
+          <a:bodyPr>
+            <a:normAutofit fontScale="90000"/>
+          </a:bodyPr>
+          <a:lstStyle/>
+          <a:p>
+            <a:r>
+              <a:rPr lang="en-US" dirty="0" smtClean="0"/>
+              <a:t/>
+            </a:r>
+            <a:br>
+              <a:rPr lang="en-US" dirty="0" smtClean="0"/>
+            </a:br>
+            <a:r>
+              <a:rPr lang="en-US" dirty="0" smtClean="0"/>
+              <a:t>Node.js Fundamentals</a:t>
+            </a:r>
+            <a:endParaRPr lang="en-US" dirty="0"/>
+          </a:p>
+        </p:txBody>
+      </p:sp>
+      <p:sp>
+        <p:nvSpPr>
+          <p:cNvPr id="3" name="Subtitle 2"/>
+          <p:cNvSpPr>
+            <a:spLocks noGrp="1"/>
+          </p:cNvSpPr>
+          <p:nvPr>
+            <p:ph type="subTitle" idx="1"/>
+          </p:nvPr>
+        </p:nvSpPr>
+        <p:spPr>
+          <a:xfrm>
+            <a:off x="1524000" y="1335355"/>
+            <a:ext cx="9144000" cy="5197525"/>
+          </a:xfrm>
+        </p:spPr>
+        <p:txBody>
+          <a:bodyPr>
+            <a:normAutofit fontScale="55000" lnSpcReduction="20000"/>
+          </a:bodyPr>
+          <a:lstStyle/>
+          <a:p>
+            <a:pPr marL="342900" indent="-342900" algn="l">
+              <a:buFont typeface="Wingdings" panose="05000000000000000000" pitchFamily="2" charset="2"/>
+              <a:buChar char="Ø"/>
+            </a:pPr>
+            <a:r>
+              <a:rPr lang="en-US" sz="9600" b="1" dirty="0" smtClean="0"/>
+              <a:t>Pipe</a:t>
+            </a:r>
+          </a:p>
+          <a:p>
+            <a:pPr algn="l"/>
+            <a:r>
+              <a:rPr lang="en-US" sz="4200" b="1" dirty="0"/>
+              <a:t>In node </a:t>
+            </a:r>
+            <a:r>
+              <a:rPr lang="en-US" sz="4200" b="1" dirty="0" err="1"/>
+              <a:t>js</a:t>
+            </a:r>
+            <a:r>
+              <a:rPr lang="en-US" sz="4200" b="1" dirty="0"/>
+              <a:t>, pipe is mostly use for copying data from one file to another</a:t>
+            </a:r>
+          </a:p>
+          <a:p>
+            <a:pPr algn="l"/>
+            <a:endParaRPr lang="en-US" sz="6000" b="1" u="sng" dirty="0" smtClean="0"/>
+          </a:p>
+          <a:p>
+            <a:pPr algn="l"/>
+            <a:r>
+              <a:rPr lang="en-US" sz="3800" dirty="0"/>
+              <a:t>let </a:t>
+            </a:r>
+            <a:r>
+              <a:rPr lang="en-US" sz="3800" dirty="0" err="1"/>
+              <a:t>fs</a:t>
+            </a:r>
+            <a:r>
+              <a:rPr lang="en-US" sz="3800" dirty="0"/>
+              <a:t>=require('</a:t>
+            </a:r>
+            <a:r>
+              <a:rPr lang="en-US" sz="3800" dirty="0" err="1"/>
+              <a:t>fs</a:t>
+            </a:r>
+            <a:r>
+              <a:rPr lang="en-US" sz="3800" dirty="0"/>
+              <a:t>');</a:t>
+            </a:r>
+          </a:p>
+          <a:p>
+            <a:pPr algn="l"/>
+            <a:r>
+              <a:rPr lang="en-US" sz="3800" dirty="0"/>
+              <a:t/>
+            </a:r>
+            <a:br>
+              <a:rPr lang="en-US" sz="3800" dirty="0"/>
+            </a:br>
+            <a:r>
+              <a:rPr lang="en-US" sz="3800" dirty="0"/>
+              <a:t>let </a:t>
+            </a:r>
+            <a:r>
+              <a:rPr lang="en-US" sz="3800" dirty="0" err="1"/>
+              <a:t>readableStream</a:t>
+            </a:r>
+            <a:r>
+              <a:rPr lang="en-US" sz="3800" dirty="0"/>
+              <a:t>= </a:t>
+            </a:r>
+            <a:r>
+              <a:rPr lang="en-US" sz="3800" dirty="0" err="1"/>
+              <a:t>fs.createReadStream</a:t>
+            </a:r>
+            <a:r>
+              <a:rPr lang="en-US" sz="3800" dirty="0"/>
+              <a:t>('./</a:t>
+            </a:r>
+            <a:r>
+              <a:rPr lang="en-US" sz="3800" dirty="0" err="1"/>
+              <a:t>pipings</a:t>
+            </a:r>
+            <a:r>
+              <a:rPr lang="en-US" sz="3800" dirty="0"/>
+              <a:t>/input.txt');</a:t>
+            </a:r>
+          </a:p>
+          <a:p>
+            <a:pPr algn="l"/>
+            <a:r>
+              <a:rPr lang="en-US" sz="3800" dirty="0"/>
+              <a:t>let </a:t>
+            </a:r>
+            <a:r>
+              <a:rPr lang="en-US" sz="3800" dirty="0" err="1"/>
+              <a:t>writableStream</a:t>
+            </a:r>
+            <a:r>
+              <a:rPr lang="en-US" sz="3800" dirty="0"/>
+              <a:t>= </a:t>
+            </a:r>
+            <a:r>
+              <a:rPr lang="en-US" sz="3800" dirty="0" err="1"/>
+              <a:t>fs.createWriteStream</a:t>
+            </a:r>
+            <a:r>
+              <a:rPr lang="en-US" sz="3800" dirty="0"/>
+              <a:t>('./</a:t>
+            </a:r>
+            <a:r>
+              <a:rPr lang="en-US" sz="3800" dirty="0" err="1"/>
+              <a:t>pipings</a:t>
+            </a:r>
+            <a:r>
+              <a:rPr lang="en-US" sz="3800" dirty="0"/>
+              <a:t>/out.txt');</a:t>
+            </a:r>
+          </a:p>
+          <a:p>
+            <a:pPr algn="l"/>
+            <a:r>
+              <a:rPr lang="en-US" sz="3800" dirty="0"/>
+              <a:t/>
+            </a:r>
+            <a:br>
+              <a:rPr lang="en-US" sz="3800" dirty="0"/>
+            </a:br>
+            <a:r>
+              <a:rPr lang="en-US" sz="3800" dirty="0" err="1"/>
+              <a:t>readableStream.pipe</a:t>
+            </a:r>
+            <a:r>
+              <a:rPr lang="en-US" sz="3800" dirty="0"/>
+              <a:t>(</a:t>
+            </a:r>
+            <a:r>
+              <a:rPr lang="en-US" sz="3800" dirty="0" err="1"/>
+              <a:t>writableStream</a:t>
+            </a:r>
+            <a:r>
+              <a:rPr lang="en-US" sz="3800" dirty="0"/>
+              <a:t>);</a:t>
+            </a:r>
+          </a:p>
+          <a:p>
+            <a:pPr algn="l"/>
+            <a:endParaRPr lang="en-US" sz="5600" b="1" dirty="0"/>
+          </a:p>
+          <a:p>
+            <a:r>
+              <a:rPr lang="en-US" dirty="0"/>
+              <a:t/>
+            </a:r>
+            <a:br>
+              <a:rPr lang="en-US" dirty="0"/>
+            </a:br>
+            <a:r>
+              <a:rPr lang="en-US" dirty="0"/>
+              <a:t/>
+            </a:r>
+            <a:br>
+              <a:rPr lang="en-US" dirty="0"/>
+            </a:br>
+            <a:r>
+              <a:rPr lang="en-US" dirty="0"/>
+              <a:t/>
+            </a:r>
+            <a:br>
+              <a:rPr lang="en-US" dirty="0"/>
+            </a:br>
+            <a:endParaRPr lang="en-US" dirty="0"/>
+          </a:p>
+          <a:p>
+            <a:pPr algn="l"/>
+            <a:r>
+              <a:rPr lang="en-US" dirty="0"/>
+              <a:t/>
+            </a:r>
+            <a:br>
+              <a:rPr lang="en-US" dirty="0"/>
+            </a:br>
+            <a:endParaRPr lang="en-US" dirty="0"/>
+          </a:p>
+          <a:p>
+            <a:pPr algn="l"/>
+            <a:endParaRPr lang="en-US" dirty="0"/>
+          </a:p>
+          <a:p>
+            <a:pPr algn="l"/>
+            <a:endParaRPr lang="en-US" dirty="0"/>
+          </a:p>
+          <a:p>
+            <a:pPr algn="l"/>
+            <a:endParaRPr lang="en-US" dirty="0"/>
+          </a:p>
+        </p:txBody>
+      </p:sp>
+    </p:spTree>
+    <p:extLst>
+      <p:ext uri="{BB962C8B-B14F-4D97-AF65-F5344CB8AC3E}">
+        <p14:creationId xmlns:p14="http://schemas.microsoft.com/office/powerpoint/2010/main" val="2283262541"/>
+      </p:ext>
+    </p:extLst>
+  </p:cSld>
+  <p:clrMapOvr>
+    <a:masterClrMapping/>
+  </p:clrMapOvr>
+  <p:timing>
+    <p:tnLst>
+      <p:par>
+        <p:cTn id="1" dur="indefinite" restart="never" nodeType="tmRoot"/>
+      </p:par>
+    </p:tnLst>
+  </p:timing>
+</p:sld>
+</file>
+
+<file path=ppt/slides/slide12.xml><?xml version="1.0" encoding="utf-8"?>
+<p:sld xmlns:a="http://schemas.openxmlformats.org/drawingml/2006/main" xmlns:r="http://schemas.openxmlformats.org/officeDocument/2006/relationships" xmlns:p="http://schemas.openxmlformats.org/presentationml/2006/main">
+  <p:cSld>
+    <p:spTree>
+      <p:nvGrpSpPr>
+        <p:cNvPr id="1" name=""/>
+        <p:cNvGrpSpPr/>
+        <p:nvPr/>
+      </p:nvGrpSpPr>
+      <p:grpSpPr>
+        <a:xfrm>
+          <a:off x="0" y="0"/>
+          <a:ext cx="0" cy="0"/>
+          <a:chOff x="0" y="0"/>
+          <a:chExt cx="0" cy="0"/>
+        </a:xfrm>
+      </p:grpSpPr>
+      <p:sp>
+        <p:nvSpPr>
+          <p:cNvPr id="2" name="Title 1"/>
+          <p:cNvSpPr>
+            <a:spLocks noGrp="1"/>
+          </p:cNvSpPr>
+          <p:nvPr>
+            <p:ph type="ctrTitle"/>
+          </p:nvPr>
+        </p:nvSpPr>
+        <p:spPr>
+          <a:xfrm>
+            <a:off x="1524000" y="386366"/>
+            <a:ext cx="9144000" cy="811368"/>
+          </a:xfrm>
+        </p:spPr>
+        <p:txBody>
+          <a:bodyPr>
+            <a:normAutofit fontScale="90000"/>
+          </a:bodyPr>
+          <a:lstStyle/>
+          <a:p>
+            <a:r>
+              <a:rPr lang="en-US" dirty="0" smtClean="0"/>
+              <a:t/>
+            </a:r>
+            <a:br>
+              <a:rPr lang="en-US" dirty="0" smtClean="0"/>
+            </a:br>
+            <a:r>
+              <a:rPr lang="en-US" dirty="0" smtClean="0"/>
+              <a:t>Node.js Fundamentals</a:t>
+            </a:r>
+            <a:endParaRPr lang="en-US" dirty="0"/>
+          </a:p>
+        </p:txBody>
+      </p:sp>
+      <p:sp>
+        <p:nvSpPr>
+          <p:cNvPr id="3" name="Subtitle 2"/>
+          <p:cNvSpPr>
+            <a:spLocks noGrp="1"/>
+          </p:cNvSpPr>
+          <p:nvPr>
+            <p:ph type="subTitle" idx="1"/>
+          </p:nvPr>
+        </p:nvSpPr>
+        <p:spPr>
+          <a:xfrm>
+            <a:off x="1524000" y="1335355"/>
+            <a:ext cx="9144000" cy="5197525"/>
+          </a:xfrm>
+        </p:spPr>
+        <p:txBody>
+          <a:bodyPr>
+            <a:normAutofit fontScale="25000" lnSpcReduction="20000"/>
+          </a:bodyPr>
+          <a:lstStyle/>
+          <a:p>
+            <a:pPr marL="342900" indent="-342900" algn="l">
+              <a:buFont typeface="Wingdings" panose="05000000000000000000" pitchFamily="2" charset="2"/>
+              <a:buChar char="Ø"/>
+            </a:pPr>
+            <a:r>
+              <a:rPr lang="en-US" sz="9600" b="1" dirty="0" smtClean="0"/>
+              <a:t>Working With Http Server</a:t>
+            </a:r>
+          </a:p>
+          <a:p>
+            <a:pPr algn="l"/>
+            <a:r>
+              <a:rPr lang="en-US" sz="7200" b="1" dirty="0" smtClean="0"/>
+              <a:t>In this section will try to know about to create a node server and to open port and finally to browse in browser</a:t>
+            </a:r>
+          </a:p>
+          <a:p>
+            <a:pPr algn="l"/>
+            <a:r>
+              <a:rPr lang="en-US" sz="9600" dirty="0"/>
+              <a:t>let http = require('http</a:t>
+            </a:r>
+            <a:r>
+              <a:rPr lang="en-US" sz="9600" dirty="0" smtClean="0"/>
+              <a:t>');</a:t>
+            </a:r>
+          </a:p>
+          <a:p>
+            <a:pPr algn="l"/>
+            <a:r>
+              <a:rPr lang="en-US" sz="9600" dirty="0"/>
+              <a:t/>
+            </a:r>
+            <a:br>
+              <a:rPr lang="en-US" sz="9600" dirty="0"/>
+            </a:br>
+            <a:r>
+              <a:rPr lang="en-US" sz="9600" dirty="0" err="1"/>
+              <a:t>const</a:t>
+            </a:r>
+            <a:r>
+              <a:rPr lang="en-US" sz="9600" dirty="0"/>
+              <a:t> </a:t>
+            </a:r>
+            <a:r>
+              <a:rPr lang="en-US" sz="9600" dirty="0" err="1"/>
+              <a:t>onRequest</a:t>
+            </a:r>
+            <a:r>
+              <a:rPr lang="en-US" sz="9600" dirty="0"/>
+              <a:t> = (request, response) =&gt; {</a:t>
+            </a:r>
+          </a:p>
+          <a:p>
+            <a:pPr algn="l"/>
+            <a:r>
+              <a:rPr lang="en-US" sz="9600" dirty="0"/>
+              <a:t>    console.log('Request Received');</a:t>
+            </a:r>
+          </a:p>
+          <a:p>
+            <a:pPr algn="l"/>
+            <a:r>
+              <a:rPr lang="en-US" sz="9600" dirty="0"/>
+              <a:t>    </a:t>
+            </a:r>
+            <a:r>
+              <a:rPr lang="en-US" sz="9600" dirty="0" err="1"/>
+              <a:t>response.writeHead</a:t>
+            </a:r>
+            <a:r>
+              <a:rPr lang="en-US" sz="9600" dirty="0"/>
+              <a:t>(200, { 'Content-Type': 'text/plain' });</a:t>
+            </a:r>
+          </a:p>
+          <a:p>
+            <a:pPr algn="l"/>
+            <a:r>
+              <a:rPr lang="en-US" sz="9600" dirty="0"/>
+              <a:t>    </a:t>
+            </a:r>
+            <a:r>
+              <a:rPr lang="en-US" sz="9600" dirty="0" err="1"/>
+              <a:t>response.write</a:t>
+            </a:r>
+            <a:r>
+              <a:rPr lang="en-US" sz="9600" dirty="0"/>
+              <a:t>('Welcome from Node JS Application Server!')</a:t>
+            </a:r>
+          </a:p>
+          <a:p>
+            <a:pPr algn="l"/>
+            <a:r>
+              <a:rPr lang="en-US" sz="9600" dirty="0"/>
+              <a:t>    </a:t>
+            </a:r>
+            <a:r>
+              <a:rPr lang="en-US" sz="9600" dirty="0" err="1"/>
+              <a:t>response.end</a:t>
+            </a:r>
+            <a:r>
+              <a:rPr lang="en-US" sz="9600" dirty="0"/>
+              <a:t>()</a:t>
+            </a:r>
+          </a:p>
+          <a:p>
+            <a:pPr algn="l"/>
+            <a:r>
+              <a:rPr lang="en-US" sz="9600" dirty="0"/>
+              <a:t>}</a:t>
+            </a:r>
+          </a:p>
+          <a:p>
+            <a:pPr algn="l"/>
+            <a:r>
+              <a:rPr lang="en-US" sz="9600" dirty="0"/>
+              <a:t/>
+            </a:r>
+            <a:br>
+              <a:rPr lang="en-US" sz="9600" dirty="0"/>
+            </a:br>
+            <a:r>
+              <a:rPr lang="en-US" sz="9600" dirty="0" err="1"/>
+              <a:t>http.createServer</a:t>
+            </a:r>
+            <a:r>
+              <a:rPr lang="en-US" sz="9600" dirty="0"/>
+              <a:t>(</a:t>
+            </a:r>
+            <a:r>
+              <a:rPr lang="en-US" sz="9600" dirty="0" err="1"/>
+              <a:t>onRequest</a:t>
+            </a:r>
+            <a:r>
+              <a:rPr lang="en-US" sz="9600" dirty="0"/>
+              <a:t>).listen(1971);</a:t>
+            </a:r>
+          </a:p>
+          <a:p>
+            <a:pPr algn="l"/>
+            <a:r>
+              <a:rPr lang="en-US" sz="9600" dirty="0"/>
+              <a:t/>
+            </a:r>
+            <a:br>
+              <a:rPr lang="en-US" sz="9600" dirty="0"/>
+            </a:br>
+            <a:r>
+              <a:rPr lang="en-US" sz="9600" dirty="0"/>
+              <a:t>console.log('Server Started on </a:t>
+            </a:r>
+            <a:r>
+              <a:rPr lang="en-US" sz="9600" dirty="0" err="1"/>
+              <a:t>localhost</a:t>
+            </a:r>
+            <a:r>
+              <a:rPr lang="en-US" sz="9600" dirty="0"/>
+              <a:t> port 1971');</a:t>
+            </a:r>
+          </a:p>
+          <a:p>
+            <a:pPr algn="l"/>
+            <a:endParaRPr lang="en-US" sz="5600" b="1" dirty="0"/>
+          </a:p>
+          <a:p>
+            <a:r>
+              <a:rPr lang="en-US" dirty="0"/>
+              <a:t/>
+            </a:r>
+            <a:br>
+              <a:rPr lang="en-US" dirty="0"/>
+            </a:br>
+            <a:r>
+              <a:rPr lang="en-US" dirty="0"/>
+              <a:t/>
+            </a:r>
+            <a:br>
+              <a:rPr lang="en-US" dirty="0"/>
+            </a:br>
+            <a:r>
+              <a:rPr lang="en-US" dirty="0"/>
+              <a:t/>
+            </a:r>
+            <a:br>
+              <a:rPr lang="en-US" dirty="0"/>
+            </a:br>
+            <a:endParaRPr lang="en-US" dirty="0"/>
+          </a:p>
+          <a:p>
+            <a:pPr algn="l"/>
+            <a:r>
+              <a:rPr lang="en-US" dirty="0"/>
+              <a:t/>
+            </a:r>
+            <a:br>
+              <a:rPr lang="en-US" dirty="0"/>
+            </a:br>
+            <a:endParaRPr lang="en-US" dirty="0"/>
+          </a:p>
+          <a:p>
+            <a:pPr algn="l"/>
+            <a:endParaRPr lang="en-US" dirty="0"/>
+          </a:p>
+          <a:p>
+            <a:pPr algn="l"/>
+            <a:endParaRPr lang="en-US" dirty="0"/>
+          </a:p>
+          <a:p>
+            <a:pPr algn="l"/>
+            <a:endParaRPr lang="en-US" dirty="0"/>
+          </a:p>
+        </p:txBody>
+      </p:sp>
+    </p:spTree>
+    <p:extLst>
+      <p:ext uri="{BB962C8B-B14F-4D97-AF65-F5344CB8AC3E}">
+        <p14:creationId xmlns:p14="http://schemas.microsoft.com/office/powerpoint/2010/main" val="3297893523"/>
+      </p:ext>
+    </p:extLst>
+  </p:cSld>
+  <p:clrMapOvr>
+    <a:masterClrMapping/>
+  </p:clrMapOvr>
+  <p:timing>
+    <p:tnLst>
+      <p:par>
+        <p:cTn id="1" dur="indefinite" restart="never" nodeType="tmRoot"/>
+      </p:par>
+    </p:tnLst>
+  </p:timing>
+</p:sld>
+</file>
+
+<file path=ppt/slides/slide13.xml><?xml version="1.0" encoding="utf-8"?>
+<p:sld xmlns:a="http://schemas.openxmlformats.org/drawingml/2006/main" xmlns:r="http://schemas.openxmlformats.org/officeDocument/2006/relationships" xmlns:p="http://schemas.openxmlformats.org/presentationml/2006/main">
+  <p:cSld>
+    <p:spTree>
+      <p:nvGrpSpPr>
+        <p:cNvPr id="1" name=""/>
+        <p:cNvGrpSpPr/>
+        <p:nvPr/>
+      </p:nvGrpSpPr>
+      <p:grpSpPr>
+        <a:xfrm>
+          <a:off x="0" y="0"/>
+          <a:ext cx="0" cy="0"/>
+          <a:chOff x="0" y="0"/>
+          <a:chExt cx="0" cy="0"/>
+        </a:xfrm>
+      </p:grpSpPr>
+      <p:sp>
+        <p:nvSpPr>
+          <p:cNvPr id="2" name="Title 1"/>
+          <p:cNvSpPr>
+            <a:spLocks noGrp="1"/>
+          </p:cNvSpPr>
+          <p:nvPr>
+            <p:ph type="ctrTitle"/>
+          </p:nvPr>
+        </p:nvSpPr>
+        <p:spPr>
+          <a:xfrm>
+            <a:off x="1524000" y="386366"/>
+            <a:ext cx="9144000" cy="811368"/>
+          </a:xfrm>
+        </p:spPr>
+        <p:txBody>
+          <a:bodyPr>
+            <a:normAutofit fontScale="90000"/>
+          </a:bodyPr>
+          <a:lstStyle/>
+          <a:p>
+            <a:r>
+              <a:rPr lang="en-US" dirty="0" smtClean="0"/>
+              <a:t/>
+            </a:r>
+            <a:br>
+              <a:rPr lang="en-US" dirty="0" smtClean="0"/>
+            </a:br>
+            <a:r>
+              <a:rPr lang="en-US" dirty="0" smtClean="0"/>
+              <a:t>Node.js Fundamentals</a:t>
+            </a:r>
+            <a:endParaRPr lang="en-US" dirty="0"/>
+          </a:p>
+        </p:txBody>
+      </p:sp>
+      <p:sp>
+        <p:nvSpPr>
+          <p:cNvPr id="3" name="Subtitle 2"/>
+          <p:cNvSpPr>
+            <a:spLocks noGrp="1"/>
+          </p:cNvSpPr>
+          <p:nvPr>
+            <p:ph type="subTitle" idx="1"/>
+          </p:nvPr>
+        </p:nvSpPr>
+        <p:spPr>
+          <a:xfrm>
+            <a:off x="1524000" y="1335355"/>
+            <a:ext cx="9144000" cy="5197525"/>
+          </a:xfrm>
+        </p:spPr>
+        <p:txBody>
+          <a:bodyPr>
+            <a:normAutofit fontScale="25000" lnSpcReduction="20000"/>
+          </a:bodyPr>
+          <a:lstStyle/>
+          <a:p>
+            <a:pPr marL="342900" indent="-342900" algn="l">
+              <a:buFont typeface="Wingdings" panose="05000000000000000000" pitchFamily="2" charset="2"/>
+              <a:buChar char="Ø"/>
+            </a:pPr>
+            <a:r>
+              <a:rPr lang="en-US" sz="9600" b="1" dirty="0" smtClean="0"/>
+              <a:t>Working With Http Server</a:t>
+            </a:r>
+          </a:p>
+          <a:p>
+            <a:pPr algn="l"/>
+            <a:r>
+              <a:rPr lang="en-US" sz="4800" dirty="0"/>
+              <a:t/>
+            </a:r>
+            <a:br>
+              <a:rPr lang="en-US" sz="4800" dirty="0"/>
+            </a:br>
+            <a:r>
+              <a:rPr lang="en-US" sz="7200" b="1" dirty="0"/>
+              <a:t>Http Server - Export into another file</a:t>
+            </a:r>
+          </a:p>
+          <a:p>
+            <a:pPr algn="l"/>
+            <a:r>
+              <a:rPr lang="en-US" sz="4800" dirty="0"/>
+              <a:t/>
+            </a:r>
+            <a:br>
+              <a:rPr lang="en-US" sz="4800" dirty="0"/>
+            </a:br>
+            <a:r>
+              <a:rPr lang="en-US" sz="4800" dirty="0"/>
+              <a:t>let http = require('http');</a:t>
+            </a:r>
+          </a:p>
+          <a:p>
+            <a:pPr algn="l"/>
+            <a:r>
+              <a:rPr lang="en-US" sz="4800" dirty="0"/>
+              <a:t/>
+            </a:r>
+            <a:br>
+              <a:rPr lang="en-US" sz="4800" dirty="0"/>
+            </a:br>
+            <a:r>
+              <a:rPr lang="en-US" sz="4800" dirty="0" err="1"/>
+              <a:t>const</a:t>
+            </a:r>
+            <a:r>
+              <a:rPr lang="en-US" sz="4800" dirty="0"/>
+              <a:t> </a:t>
+            </a:r>
+            <a:r>
+              <a:rPr lang="en-US" sz="4800" dirty="0" err="1"/>
+              <a:t>onRequest</a:t>
+            </a:r>
+            <a:r>
+              <a:rPr lang="en-US" sz="4800" dirty="0"/>
+              <a:t> = (request, response) =&gt; {</a:t>
+            </a:r>
+          </a:p>
+          <a:p>
+            <a:pPr algn="l"/>
+            <a:r>
+              <a:rPr lang="en-US" sz="4800" dirty="0"/>
+              <a:t>    console.log('Request Received');</a:t>
+            </a:r>
+          </a:p>
+          <a:p>
+            <a:pPr algn="l"/>
+            <a:r>
+              <a:rPr lang="en-US" sz="4800" dirty="0"/>
+              <a:t>    </a:t>
+            </a:r>
+            <a:r>
+              <a:rPr lang="en-US" sz="4800" dirty="0" err="1"/>
+              <a:t>response.writeHead</a:t>
+            </a:r>
+            <a:r>
+              <a:rPr lang="en-US" sz="4800" dirty="0"/>
+              <a:t>(200, { 'Content-Type': 'text/plain' });</a:t>
+            </a:r>
+          </a:p>
+          <a:p>
+            <a:pPr algn="l"/>
+            <a:r>
+              <a:rPr lang="en-US" sz="4800" dirty="0"/>
+              <a:t>    </a:t>
+            </a:r>
+            <a:r>
+              <a:rPr lang="en-US" sz="4800" dirty="0" err="1"/>
+              <a:t>response.write</a:t>
+            </a:r>
+            <a:r>
+              <a:rPr lang="en-US" sz="4800" dirty="0"/>
+              <a:t>('Welcome from Node JS Application Server!')</a:t>
+            </a:r>
+          </a:p>
+          <a:p>
+            <a:pPr algn="l"/>
+            <a:r>
+              <a:rPr lang="en-US" sz="4800" dirty="0"/>
+              <a:t>    </a:t>
+            </a:r>
+            <a:r>
+              <a:rPr lang="en-US" sz="4800" dirty="0" err="1"/>
+              <a:t>response.end</a:t>
+            </a:r>
+            <a:r>
+              <a:rPr lang="en-US" sz="4800" dirty="0"/>
+              <a:t>()</a:t>
+            </a:r>
+          </a:p>
+          <a:p>
+            <a:pPr algn="l"/>
+            <a:r>
+              <a:rPr lang="en-US" sz="4800" dirty="0"/>
+              <a:t>}</a:t>
+            </a:r>
+          </a:p>
+          <a:p>
+            <a:pPr algn="l"/>
+            <a:r>
+              <a:rPr lang="en-US" sz="4800" dirty="0"/>
+              <a:t/>
+            </a:r>
+            <a:br>
+              <a:rPr lang="en-US" sz="4800" dirty="0"/>
+            </a:br>
+            <a:r>
+              <a:rPr lang="en-US" sz="4800" dirty="0" err="1"/>
+              <a:t>const</a:t>
+            </a:r>
+            <a:r>
+              <a:rPr lang="en-US" sz="4800" dirty="0"/>
+              <a:t> </a:t>
+            </a:r>
+            <a:r>
+              <a:rPr lang="en-US" sz="4800" dirty="0" err="1"/>
+              <a:t>serverStarted</a:t>
+            </a:r>
+            <a:r>
+              <a:rPr lang="en-US" sz="4800" dirty="0"/>
+              <a:t> = () =&gt; {</a:t>
+            </a:r>
+          </a:p>
+          <a:p>
+            <a:pPr algn="l"/>
+            <a:r>
+              <a:rPr lang="en-US" sz="4800" dirty="0"/>
+              <a:t>    </a:t>
+            </a:r>
+            <a:r>
+              <a:rPr lang="en-US" sz="4800" dirty="0" err="1"/>
+              <a:t>http.createServer</a:t>
+            </a:r>
+            <a:r>
+              <a:rPr lang="en-US" sz="4800" dirty="0"/>
+              <a:t>(</a:t>
+            </a:r>
+            <a:r>
+              <a:rPr lang="en-US" sz="4800" dirty="0" err="1"/>
+              <a:t>onRequest</a:t>
+            </a:r>
+            <a:r>
+              <a:rPr lang="en-US" sz="4800" dirty="0"/>
+              <a:t>).listen(1971);</a:t>
+            </a:r>
+          </a:p>
+          <a:p>
+            <a:pPr algn="l"/>
+            <a:r>
+              <a:rPr lang="en-US" sz="4800" dirty="0"/>
+              <a:t>    console.log('Server Started on </a:t>
+            </a:r>
+            <a:r>
+              <a:rPr lang="en-US" sz="4800" dirty="0" err="1"/>
+              <a:t>localhost</a:t>
+            </a:r>
+            <a:r>
+              <a:rPr lang="en-US" sz="4800" dirty="0"/>
+              <a:t> port 1971');</a:t>
+            </a:r>
+          </a:p>
+          <a:p>
+            <a:pPr algn="l"/>
+            <a:r>
+              <a:rPr lang="en-US" sz="4800" dirty="0"/>
+              <a:t>}</a:t>
+            </a:r>
+          </a:p>
+          <a:p>
+            <a:pPr algn="l"/>
+            <a:r>
+              <a:rPr lang="en-US" sz="4800" dirty="0"/>
+              <a:t/>
+            </a:r>
+            <a:br>
+              <a:rPr lang="en-US" sz="4800" dirty="0"/>
+            </a:br>
+            <a:r>
+              <a:rPr lang="en-US" sz="4800" b="1" dirty="0"/>
+              <a:t>H</a:t>
+            </a:r>
+            <a:r>
+              <a:rPr lang="en-US" sz="4800" b="1" dirty="0" smtClean="0"/>
+              <a:t>ere </a:t>
+            </a:r>
+            <a:r>
+              <a:rPr lang="en-US" sz="4800" b="1" dirty="0"/>
+              <a:t>we created a export object to export externally</a:t>
+            </a:r>
+          </a:p>
+          <a:p>
+            <a:pPr algn="l"/>
+            <a:r>
+              <a:rPr lang="en-US" sz="4800" dirty="0" err="1"/>
+              <a:t>module.exports</a:t>
+            </a:r>
+            <a:r>
+              <a:rPr lang="en-US" sz="4800" dirty="0"/>
+              <a:t>={</a:t>
+            </a:r>
+          </a:p>
+          <a:p>
+            <a:pPr algn="l"/>
+            <a:r>
+              <a:rPr lang="en-US" sz="4800" dirty="0"/>
+              <a:t>    </a:t>
+            </a:r>
+            <a:r>
+              <a:rPr lang="en-US" sz="4800" dirty="0" err="1"/>
+              <a:t>serverStarted:serverStarted</a:t>
+            </a:r>
+            <a:endParaRPr lang="en-US" sz="4800" dirty="0"/>
+          </a:p>
+          <a:p>
+            <a:pPr algn="l"/>
+            <a:r>
+              <a:rPr lang="en-US" sz="4800" dirty="0"/>
+              <a:t>}</a:t>
+            </a:r>
+          </a:p>
+          <a:p>
+            <a:r>
+              <a:rPr lang="en-US" sz="800" dirty="0"/>
+              <a:t/>
+            </a:r>
+            <a:br>
+              <a:rPr lang="en-US" sz="800" dirty="0"/>
+            </a:br>
+            <a:r>
+              <a:rPr lang="en-US" sz="800" dirty="0"/>
+              <a:t/>
+            </a:r>
+            <a:br>
+              <a:rPr lang="en-US" sz="800" dirty="0"/>
+            </a:br>
+            <a:r>
+              <a:rPr lang="en-US" sz="800" dirty="0"/>
+              <a:t/>
+            </a:r>
+            <a:br>
+              <a:rPr lang="en-US" sz="800" dirty="0"/>
+            </a:br>
+            <a:r>
+              <a:rPr lang="en-US" sz="800" dirty="0"/>
+              <a:t/>
+            </a:r>
+            <a:br>
+              <a:rPr lang="en-US" sz="800" dirty="0"/>
+            </a:br>
+            <a:r>
+              <a:rPr lang="en-US" sz="800" dirty="0"/>
+              <a:t/>
+            </a:r>
+            <a:br>
+              <a:rPr lang="en-US" sz="800" dirty="0"/>
+            </a:br>
+            <a:r>
+              <a:rPr lang="en-US" sz="800" dirty="0"/>
+              <a:t/>
+            </a:r>
+            <a:br>
+              <a:rPr lang="en-US" sz="800" dirty="0"/>
+            </a:br>
+            <a:endParaRPr lang="en-US" sz="800" dirty="0"/>
+          </a:p>
+          <a:p>
+            <a:pPr algn="l"/>
+            <a:endParaRPr lang="en-US" sz="5600" b="1" dirty="0"/>
+          </a:p>
+          <a:p>
+            <a:r>
+              <a:rPr lang="en-US" dirty="0"/>
+              <a:t/>
+            </a:r>
+            <a:br>
+              <a:rPr lang="en-US" dirty="0"/>
+            </a:br>
+            <a:r>
+              <a:rPr lang="en-US" dirty="0"/>
+              <a:t/>
+            </a:r>
+            <a:br>
+              <a:rPr lang="en-US" dirty="0"/>
+            </a:br>
+            <a:r>
+              <a:rPr lang="en-US" dirty="0"/>
+              <a:t/>
+            </a:r>
+            <a:br>
+              <a:rPr lang="en-US" dirty="0"/>
+            </a:br>
+            <a:endParaRPr lang="en-US" dirty="0"/>
+          </a:p>
+          <a:p>
+            <a:pPr algn="l"/>
+            <a:r>
+              <a:rPr lang="en-US" dirty="0"/>
+              <a:t/>
+            </a:r>
+            <a:br>
+              <a:rPr lang="en-US" dirty="0"/>
+            </a:br>
+            <a:endParaRPr lang="en-US" dirty="0"/>
+          </a:p>
+          <a:p>
+            <a:pPr algn="l"/>
+            <a:endParaRPr lang="en-US" dirty="0"/>
+          </a:p>
+          <a:p>
+            <a:pPr algn="l"/>
+            <a:endParaRPr lang="en-US" dirty="0"/>
+          </a:p>
+          <a:p>
+            <a:pPr algn="l"/>
+            <a:endParaRPr lang="en-US" dirty="0"/>
+          </a:p>
+        </p:txBody>
+      </p:sp>
+    </p:spTree>
+    <p:extLst>
+      <p:ext uri="{BB962C8B-B14F-4D97-AF65-F5344CB8AC3E}">
+        <p14:creationId xmlns:p14="http://schemas.microsoft.com/office/powerpoint/2010/main" val="3143155861"/>
+      </p:ext>
+    </p:extLst>
+  </p:cSld>
+  <p:clrMapOvr>
+    <a:masterClrMapping/>
+  </p:clrMapOvr>
+  <p:timing>
+    <p:tnLst>
+      <p:par>
+        <p:cTn id="1" dur="indefinite" restart="never" nodeType="tmRoot"/>
+      </p:par>
+    </p:tnLst>
+  </p:timing>
+</p:sld>
+</file>
+
+<file path=ppt/slides/slide14.xml><?xml version="1.0" encoding="utf-8"?>
+<p:sld xmlns:a="http://schemas.openxmlformats.org/drawingml/2006/main" xmlns:r="http://schemas.openxmlformats.org/officeDocument/2006/relationships" xmlns:p="http://schemas.openxmlformats.org/presentationml/2006/main">
+  <p:cSld>
+    <p:spTree>
+      <p:nvGrpSpPr>
+        <p:cNvPr id="1" name=""/>
+        <p:cNvGrpSpPr/>
+        <p:nvPr/>
+      </p:nvGrpSpPr>
+      <p:grpSpPr>
+        <a:xfrm>
+          <a:off x="0" y="0"/>
+          <a:ext cx="0" cy="0"/>
+          <a:chOff x="0" y="0"/>
+          <a:chExt cx="0" cy="0"/>
+        </a:xfrm>
+      </p:grpSpPr>
+      <p:sp>
+        <p:nvSpPr>
+          <p:cNvPr id="2" name="Title 1"/>
+          <p:cNvSpPr>
+            <a:spLocks noGrp="1"/>
+          </p:cNvSpPr>
+          <p:nvPr>
+            <p:ph type="ctrTitle"/>
+          </p:nvPr>
+        </p:nvSpPr>
+        <p:spPr>
+          <a:xfrm>
+            <a:off x="1524000" y="386366"/>
+            <a:ext cx="9144000" cy="811368"/>
+          </a:xfrm>
+        </p:spPr>
+        <p:txBody>
+          <a:bodyPr>
+            <a:normAutofit fontScale="90000"/>
+          </a:bodyPr>
+          <a:lstStyle/>
+          <a:p>
+            <a:r>
+              <a:rPr lang="en-US" dirty="0" smtClean="0"/>
+              <a:t/>
+            </a:r>
+            <a:br>
+              <a:rPr lang="en-US" dirty="0" smtClean="0"/>
+            </a:br>
+            <a:r>
+              <a:rPr lang="en-US" dirty="0" smtClean="0"/>
+              <a:t>Node.js Fundamentals</a:t>
+            </a:r>
+            <a:endParaRPr lang="en-US" dirty="0"/>
+          </a:p>
+        </p:txBody>
+      </p:sp>
+      <p:sp>
+        <p:nvSpPr>
+          <p:cNvPr id="3" name="Subtitle 2"/>
+          <p:cNvSpPr>
+            <a:spLocks noGrp="1"/>
+          </p:cNvSpPr>
+          <p:nvPr>
+            <p:ph type="subTitle" idx="1"/>
+          </p:nvPr>
+        </p:nvSpPr>
+        <p:spPr>
+          <a:xfrm>
+            <a:off x="1524000" y="1335355"/>
+            <a:ext cx="9144000" cy="5197525"/>
+          </a:xfrm>
+        </p:spPr>
+        <p:txBody>
+          <a:bodyPr>
+            <a:normAutofit fontScale="85000" lnSpcReduction="20000"/>
+          </a:bodyPr>
+          <a:lstStyle/>
+          <a:p>
+            <a:pPr marL="342900" indent="-342900" algn="l">
+              <a:buFont typeface="Wingdings" panose="05000000000000000000" pitchFamily="2" charset="2"/>
+              <a:buChar char="Ø"/>
+            </a:pPr>
+            <a:r>
+              <a:rPr lang="en-US" sz="3300" b="1" dirty="0" smtClean="0"/>
+              <a:t>Working With Http Server</a:t>
+            </a:r>
+          </a:p>
+          <a:p>
+            <a:pPr algn="l"/>
+            <a:r>
+              <a:rPr lang="en-US" sz="1300" dirty="0"/>
+              <a:t/>
+            </a:r>
+            <a:br>
+              <a:rPr lang="en-US" sz="1300" dirty="0"/>
+            </a:br>
+            <a:r>
+              <a:rPr lang="en-US" b="1" dirty="0"/>
+              <a:t>Http Server - Export into another file</a:t>
+            </a:r>
+          </a:p>
+          <a:p>
+            <a:pPr algn="l"/>
+            <a:r>
+              <a:rPr lang="en-US" sz="2100" dirty="0"/>
+              <a:t>let server=require('./</a:t>
+            </a:r>
+            <a:r>
+              <a:rPr lang="en-US" sz="2100" dirty="0" err="1"/>
+              <a:t>HttpServer</a:t>
+            </a:r>
+            <a:r>
+              <a:rPr lang="en-US" sz="2100" dirty="0"/>
+              <a:t>');</a:t>
+            </a:r>
+          </a:p>
+          <a:p>
+            <a:pPr algn="l"/>
+            <a:r>
+              <a:rPr lang="en-US" sz="2100" dirty="0" err="1"/>
+              <a:t>server.serverStarted</a:t>
+            </a:r>
+            <a:r>
+              <a:rPr lang="en-US" sz="2100" dirty="0"/>
+              <a:t>();</a:t>
+            </a:r>
+          </a:p>
+          <a:p>
+            <a:pPr algn="l"/>
+            <a:endParaRPr lang="en-US" sz="4800" dirty="0"/>
+          </a:p>
+          <a:p>
+            <a:r>
+              <a:rPr lang="en-US" sz="800" dirty="0"/>
+              <a:t/>
+            </a:r>
+            <a:br>
+              <a:rPr lang="en-US" sz="800" dirty="0"/>
+            </a:br>
+            <a:r>
+              <a:rPr lang="en-US" sz="800" dirty="0"/>
+              <a:t/>
+            </a:r>
+            <a:br>
+              <a:rPr lang="en-US" sz="800" dirty="0"/>
+            </a:br>
+            <a:r>
+              <a:rPr lang="en-US" sz="800" dirty="0"/>
+              <a:t/>
+            </a:r>
+            <a:br>
+              <a:rPr lang="en-US" sz="800" dirty="0"/>
+            </a:br>
+            <a:r>
+              <a:rPr lang="en-US" sz="800" dirty="0"/>
+              <a:t/>
+            </a:r>
+            <a:br>
+              <a:rPr lang="en-US" sz="800" dirty="0"/>
+            </a:br>
+            <a:r>
+              <a:rPr lang="en-US" sz="800" dirty="0"/>
+              <a:t/>
+            </a:r>
+            <a:br>
+              <a:rPr lang="en-US" sz="800" dirty="0"/>
+            </a:br>
+            <a:r>
+              <a:rPr lang="en-US" sz="800" dirty="0"/>
+              <a:t/>
+            </a:r>
+            <a:br>
+              <a:rPr lang="en-US" sz="800" dirty="0"/>
+            </a:br>
+            <a:endParaRPr lang="en-US" sz="800" dirty="0"/>
+          </a:p>
+          <a:p>
+            <a:pPr algn="l"/>
+            <a:endParaRPr lang="en-US" sz="5600" b="1" dirty="0"/>
+          </a:p>
+          <a:p>
+            <a:r>
+              <a:rPr lang="en-US" dirty="0"/>
+              <a:t/>
+            </a:r>
+            <a:br>
+              <a:rPr lang="en-US" dirty="0"/>
+            </a:br>
+            <a:r>
+              <a:rPr lang="en-US" dirty="0"/>
+              <a:t/>
+            </a:r>
+            <a:br>
+              <a:rPr lang="en-US" dirty="0"/>
+            </a:br>
+            <a:r>
+              <a:rPr lang="en-US" dirty="0"/>
+              <a:t/>
+            </a:r>
+            <a:br>
+              <a:rPr lang="en-US" dirty="0"/>
+            </a:br>
+            <a:endParaRPr lang="en-US" dirty="0"/>
+          </a:p>
+          <a:p>
+            <a:pPr algn="l"/>
+            <a:r>
+              <a:rPr lang="en-US" dirty="0"/>
+              <a:t/>
+            </a:r>
+            <a:br>
+              <a:rPr lang="en-US" dirty="0"/>
+            </a:br>
+            <a:endParaRPr lang="en-US" dirty="0"/>
+          </a:p>
+          <a:p>
+            <a:pPr algn="l"/>
+            <a:endParaRPr lang="en-US" dirty="0"/>
+          </a:p>
+          <a:p>
+            <a:pPr algn="l"/>
+            <a:endParaRPr lang="en-US" dirty="0"/>
+          </a:p>
+          <a:p>
+            <a:pPr algn="l"/>
+            <a:endParaRPr lang="en-US" dirty="0"/>
+          </a:p>
+        </p:txBody>
+      </p:sp>
+    </p:spTree>
+    <p:extLst>
+      <p:ext uri="{BB962C8B-B14F-4D97-AF65-F5344CB8AC3E}">
+        <p14:creationId xmlns:p14="http://schemas.microsoft.com/office/powerpoint/2010/main" val="647080624"/>
+      </p:ext>
+    </p:extLst>
+  </p:cSld>
+  <p:clrMapOvr>
+    <a:masterClrMapping/>
+  </p:clrMapOvr>
+  <p:timing>
+    <p:tnLst>
+      <p:par>
+        <p:cTn id="1" dur="indefinite" restart="never" nodeType="tmRoot"/>
+      </p:par>
+    </p:tnLst>
+  </p:timing>
+</p:sld>
+</file>
+
 <file path=ppt/slides/slide2.xml><?xml version="1.0" encoding="utf-8"?>
 <p:sld xmlns:a="http://schemas.openxmlformats.org/drawingml/2006/main" xmlns:r="http://schemas.openxmlformats.org/officeDocument/2006/relationships" xmlns:p="http://schemas.openxmlformats.org/presentationml/2006/main">
   <p:cSld>
@@ -4471,7 +6051,6 @@
               <a:rPr lang="en-US" sz="5900" b="1" dirty="0" smtClean="0"/>
               <a:t>Call Back Functions</a:t>
             </a:r>
-            <a:endParaRPr lang="en-US" sz="5900" b="1" dirty="0" smtClean="0"/>
           </a:p>
           <a:p>
             <a:pPr algn="l"/>
@@ -5134,7 +6713,7 @@
         </p:spPr>
         <p:txBody>
           <a:bodyPr>
-            <a:normAutofit/>
+            <a:normAutofit fontScale="25000" lnSpcReduction="20000"/>
           </a:bodyPr>
           <a:lstStyle/>
           <a:p>
@@ -5143,108 +6722,262 @@
               <a:buChar char="Ø"/>
             </a:pPr>
             <a:r>
-              <a:rPr lang="en-US" sz="2600" b="1" dirty="0" smtClean="0"/>
-              <a:t>Module Functions – To create a </a:t>
-            </a:r>
-            <a:r>
-              <a:rPr lang="en-US" sz="2600" b="1" dirty="0" err="1" smtClean="0"/>
-              <a:t>js</a:t>
-            </a:r>
-            <a:r>
-              <a:rPr lang="en-US" sz="2600" b="1" dirty="0" smtClean="0"/>
-              <a:t> file which can export</a:t>
-            </a:r>
-          </a:p>
-          <a:p>
-            <a:pPr algn="l"/>
-            <a:r>
-              <a:rPr lang="en-US" sz="2000" b="1" u="sng" dirty="0" smtClean="0"/>
-              <a:t>Module Combine </a:t>
-            </a:r>
-            <a:r>
-              <a:rPr lang="en-US" sz="2000" b="1" u="sng" dirty="0" err="1" smtClean="0"/>
-              <a:t>Functions:</a:t>
-            </a:r>
-            <a:r>
-              <a:rPr lang="en-US" sz="2000" dirty="0" err="1" smtClean="0"/>
-              <a:t>This</a:t>
-            </a:r>
-            <a:r>
-              <a:rPr lang="en-US" sz="2000" dirty="0" smtClean="0"/>
-              <a:t> function is using to export both </a:t>
-            </a:r>
-            <a:r>
-              <a:rPr lang="en-US" sz="2000" dirty="0" err="1" smtClean="0"/>
-              <a:t>functons</a:t>
-            </a:r>
-            <a:r>
-              <a:rPr lang="en-US" sz="2000" dirty="0" smtClean="0"/>
-              <a:t> like </a:t>
-            </a:r>
-            <a:r>
-              <a:rPr lang="en-US" sz="2000" b="1" dirty="0" smtClean="0"/>
-              <a:t>relay</a:t>
-            </a:r>
-            <a:r>
-              <a:rPr lang="en-US" sz="2000" dirty="0" smtClean="0"/>
-              <a:t> and </a:t>
-            </a:r>
-            <a:r>
-              <a:rPr lang="en-US" sz="2000" b="1" dirty="0" err="1" smtClean="0"/>
-              <a:t>logJump</a:t>
-            </a:r>
-            <a:endParaRPr lang="en-US" sz="2000" b="1" dirty="0" smtClean="0"/>
-          </a:p>
-          <a:p>
-            <a:pPr algn="l"/>
-            <a:r>
-              <a:rPr lang="en-US" sz="1600" dirty="0"/>
-              <a:t>let athletics=require('./</a:t>
-            </a:r>
-            <a:r>
-              <a:rPr lang="en-US" sz="1600" dirty="0" err="1"/>
-              <a:t>moduleFunctions</a:t>
-            </a:r>
-            <a:r>
-              <a:rPr lang="en-US" sz="1600" dirty="0"/>
-              <a:t>/Athletics');</a:t>
-            </a:r>
-          </a:p>
-          <a:p>
-            <a:pPr algn="l"/>
-            <a:r>
-              <a:rPr lang="en-US" sz="1600" dirty="0"/>
-              <a:t/>
-            </a:r>
-            <a:br>
-              <a:rPr lang="en-US" sz="1600" dirty="0"/>
-            </a:br>
-            <a:r>
-              <a:rPr lang="en-US" sz="1600" dirty="0" err="1"/>
-              <a:t>athletics.relay</a:t>
-            </a:r>
-            <a:r>
-              <a:rPr lang="en-US" sz="1600" dirty="0"/>
-              <a:t>();</a:t>
-            </a:r>
-          </a:p>
-          <a:p>
-            <a:pPr algn="l"/>
-            <a:r>
-              <a:rPr lang="en-US" sz="1600" dirty="0" err="1"/>
-              <a:t>athletics.longJump</a:t>
-            </a:r>
-            <a:r>
-              <a:rPr lang="en-US" sz="1600" dirty="0"/>
-              <a:t>();</a:t>
-            </a:r>
-          </a:p>
-          <a:p>
-            <a:pPr algn="l"/>
-            <a:r>
-              <a:rPr lang="en-US" sz="1600" b="1" dirty="0"/>
-              <a:t> </a:t>
-            </a:r>
+              <a:rPr lang="en-US" sz="9600" b="1" dirty="0"/>
+              <a:t>File System </a:t>
+            </a:r>
+            <a:r>
+              <a:rPr lang="en-US" sz="9600" b="1" dirty="0" smtClean="0"/>
+              <a:t>Module</a:t>
+            </a:r>
+            <a:endParaRPr lang="en-US" sz="9600" b="1" dirty="0" smtClean="0"/>
+          </a:p>
+          <a:p>
+            <a:pPr algn="l"/>
+            <a:r>
+              <a:rPr lang="en-US" sz="4800" dirty="0"/>
+              <a:t/>
+            </a:r>
+            <a:br>
+              <a:rPr lang="en-US" sz="4800" dirty="0"/>
+            </a:br>
+            <a:r>
+              <a:rPr lang="en-US" sz="5600" dirty="0"/>
+              <a:t>let </a:t>
+            </a:r>
+            <a:r>
+              <a:rPr lang="en-US" sz="5600" dirty="0" err="1"/>
+              <a:t>fs</a:t>
+            </a:r>
+            <a:r>
+              <a:rPr lang="en-US" sz="5600" dirty="0"/>
+              <a:t> = require('</a:t>
+            </a:r>
+            <a:r>
+              <a:rPr lang="en-US" sz="5600" dirty="0" err="1"/>
+              <a:t>fs</a:t>
+            </a:r>
+            <a:r>
+              <a:rPr lang="en-US" sz="5600" dirty="0"/>
+              <a:t>');</a:t>
+            </a:r>
+          </a:p>
+          <a:p>
+            <a:pPr algn="l"/>
+            <a:r>
+              <a:rPr lang="en-US" sz="5600" dirty="0"/>
+              <a:t/>
+            </a:r>
+            <a:br>
+              <a:rPr lang="en-US" sz="5600" dirty="0"/>
+            </a:br>
+            <a:r>
+              <a:rPr lang="en-US" sz="5600" b="1" dirty="0"/>
+              <a:t>//Reading the file in </a:t>
+            </a:r>
+            <a:r>
+              <a:rPr lang="en-US" sz="5600" b="1" dirty="0" err="1"/>
+              <a:t>async</a:t>
+            </a:r>
+            <a:r>
+              <a:rPr lang="en-US" sz="5600" b="1" dirty="0"/>
+              <a:t> way</a:t>
+            </a:r>
+          </a:p>
+          <a:p>
+            <a:pPr algn="l"/>
+            <a:r>
+              <a:rPr lang="en-US" sz="5600" dirty="0" err="1"/>
+              <a:t>fs.readFile</a:t>
+            </a:r>
+            <a:r>
+              <a:rPr lang="en-US" sz="5600" dirty="0"/>
+              <a:t>('./</a:t>
+            </a:r>
+            <a:r>
+              <a:rPr lang="en-US" sz="5600" dirty="0" err="1"/>
+              <a:t>fs</a:t>
+            </a:r>
+            <a:r>
+              <a:rPr lang="en-US" sz="5600" dirty="0"/>
+              <a:t>-modules/input.txt', (error, data) =&gt; {</a:t>
+            </a:r>
+          </a:p>
+          <a:p>
+            <a:pPr algn="l"/>
+            <a:r>
+              <a:rPr lang="en-US" sz="5600" dirty="0"/>
+              <a:t>    if (error) {</a:t>
+            </a:r>
+          </a:p>
+          <a:p>
+            <a:pPr algn="l"/>
+            <a:r>
+              <a:rPr lang="en-US" sz="5600" dirty="0"/>
+              <a:t>        console.log(error);</a:t>
+            </a:r>
+          </a:p>
+          <a:p>
+            <a:pPr algn="l"/>
+            <a:r>
+              <a:rPr lang="en-US" sz="5600" dirty="0"/>
+              <a:t>    }</a:t>
+            </a:r>
+          </a:p>
+          <a:p>
+            <a:pPr algn="l"/>
+            <a:r>
+              <a:rPr lang="en-US" sz="5600" dirty="0"/>
+              <a:t>    else{</a:t>
+            </a:r>
+          </a:p>
+          <a:p>
+            <a:pPr algn="l"/>
+            <a:r>
+              <a:rPr lang="en-US" sz="5600" dirty="0"/>
+              <a:t>        console.log('</a:t>
+            </a:r>
+            <a:r>
+              <a:rPr lang="en-US" sz="5600" dirty="0" err="1"/>
+              <a:t>Aync</a:t>
+            </a:r>
+            <a:r>
+              <a:rPr lang="en-US" sz="5600" dirty="0"/>
+              <a:t> Data is '+</a:t>
+            </a:r>
+            <a:r>
+              <a:rPr lang="en-US" sz="5600" dirty="0" err="1"/>
+              <a:t>data.toString</a:t>
+            </a:r>
+            <a:r>
+              <a:rPr lang="en-US" sz="5600" dirty="0"/>
+              <a:t>());</a:t>
+            </a:r>
+          </a:p>
+          <a:p>
+            <a:pPr algn="l"/>
+            <a:r>
+              <a:rPr lang="en-US" sz="5600" dirty="0"/>
+              <a:t>    }</a:t>
+            </a:r>
+          </a:p>
+          <a:p>
+            <a:pPr algn="l"/>
+            <a:r>
+              <a:rPr lang="en-US" sz="5600" dirty="0"/>
+              <a:t>})</a:t>
+            </a:r>
+          </a:p>
+          <a:p>
+            <a:pPr algn="l"/>
+            <a:r>
+              <a:rPr lang="en-US" sz="5600" dirty="0"/>
+              <a:t/>
+            </a:r>
+            <a:br>
+              <a:rPr lang="en-US" sz="5600" dirty="0"/>
+            </a:br>
+            <a:r>
+              <a:rPr lang="en-US" sz="5600" b="1" dirty="0"/>
+              <a:t>//Reading the file in sync way</a:t>
+            </a:r>
+          </a:p>
+          <a:p>
+            <a:pPr algn="l"/>
+            <a:r>
+              <a:rPr lang="en-US" sz="5600" dirty="0"/>
+              <a:t>let data=</a:t>
+            </a:r>
+            <a:r>
+              <a:rPr lang="en-US" sz="5600" dirty="0" err="1"/>
+              <a:t>fs.readFileSync</a:t>
+            </a:r>
+            <a:r>
+              <a:rPr lang="en-US" sz="5600" dirty="0"/>
+              <a:t>('./</a:t>
+            </a:r>
+            <a:r>
+              <a:rPr lang="en-US" sz="5600" dirty="0" err="1"/>
+              <a:t>fs</a:t>
+            </a:r>
+            <a:r>
+              <a:rPr lang="en-US" sz="5600" dirty="0"/>
+              <a:t>-modules/input.txt');</a:t>
+            </a:r>
+          </a:p>
+          <a:p>
+            <a:pPr algn="l"/>
+            <a:r>
+              <a:rPr lang="en-US" sz="5600" dirty="0"/>
+              <a:t/>
+            </a:r>
+            <a:br>
+              <a:rPr lang="en-US" sz="5600" dirty="0"/>
+            </a:br>
+            <a:r>
+              <a:rPr lang="en-US" sz="5600" dirty="0"/>
+              <a:t>console.log('Sync data is '+</a:t>
+            </a:r>
+            <a:r>
+              <a:rPr lang="en-US" sz="5600" dirty="0" err="1"/>
+              <a:t>data.toString</a:t>
+            </a:r>
+            <a:r>
+              <a:rPr lang="en-US" sz="5600" dirty="0"/>
+              <a:t>());</a:t>
+            </a:r>
+          </a:p>
+          <a:p>
+            <a:pPr algn="l"/>
+            <a:r>
+              <a:rPr lang="en-US" sz="5600" dirty="0"/>
+              <a:t>console.log('This is the end');</a:t>
+            </a:r>
+          </a:p>
+          <a:p>
+            <a:pPr algn="l"/>
+            <a:r>
+              <a:rPr lang="en-US" sz="5600" dirty="0"/>
+              <a:t/>
+            </a:r>
+            <a:br>
+              <a:rPr lang="en-US" sz="5600" dirty="0"/>
+            </a:br>
+            <a:r>
+              <a:rPr lang="en-US" sz="5600" b="1" dirty="0"/>
+              <a:t>Therefore sync data will load first then </a:t>
+            </a:r>
+            <a:r>
+              <a:rPr lang="en-US" sz="5600" b="1" dirty="0" err="1"/>
+              <a:t>async</a:t>
+            </a:r>
+            <a:r>
+              <a:rPr lang="en-US" sz="5600" b="1" dirty="0"/>
+              <a:t> data </a:t>
+            </a:r>
+          </a:p>
+          <a:p>
+            <a:r>
+              <a:rPr lang="en-US" dirty="0"/>
+              <a:t/>
+            </a:r>
+            <a:br>
+              <a:rPr lang="en-US" dirty="0"/>
+            </a:br>
+            <a:r>
+              <a:rPr lang="en-US" dirty="0"/>
+              <a:t/>
+            </a:r>
+            <a:br>
+              <a:rPr lang="en-US" dirty="0"/>
+            </a:br>
+            <a:r>
+              <a:rPr lang="en-US" dirty="0"/>
+              <a:t/>
+            </a:r>
+            <a:br>
+              <a:rPr lang="en-US" dirty="0"/>
+            </a:br>
+            <a:endParaRPr lang="en-US" dirty="0"/>
           </a:p>
           <a:p>
             <a:pPr algn="l"/>
@@ -5275,6 +7008,300 @@
     <p:extLst>
       <p:ext uri="{BB962C8B-B14F-4D97-AF65-F5344CB8AC3E}">
         <p14:creationId xmlns:p14="http://schemas.microsoft.com/office/powerpoint/2010/main" val="1860011828"/>
+      </p:ext>
+    </p:extLst>
+  </p:cSld>
+  <p:clrMapOvr>
+    <a:masterClrMapping/>
+  </p:clrMapOvr>
+  <p:timing>
+    <p:tnLst>
+      <p:par>
+        <p:cTn id="1" dur="indefinite" restart="never" nodeType="tmRoot"/>
+      </p:par>
+    </p:tnLst>
+  </p:timing>
+</p:sld>
+</file>
+
+<file path=ppt/slides/slide9.xml><?xml version="1.0" encoding="utf-8"?>
+<p:sld xmlns:a="http://schemas.openxmlformats.org/drawingml/2006/main" xmlns:r="http://schemas.openxmlformats.org/officeDocument/2006/relationships" xmlns:p="http://schemas.openxmlformats.org/presentationml/2006/main">
+  <p:cSld>
+    <p:spTree>
+      <p:nvGrpSpPr>
+        <p:cNvPr id="1" name=""/>
+        <p:cNvGrpSpPr/>
+        <p:nvPr/>
+      </p:nvGrpSpPr>
+      <p:grpSpPr>
+        <a:xfrm>
+          <a:off x="0" y="0"/>
+          <a:ext cx="0" cy="0"/>
+          <a:chOff x="0" y="0"/>
+          <a:chExt cx="0" cy="0"/>
+        </a:xfrm>
+      </p:grpSpPr>
+      <p:sp>
+        <p:nvSpPr>
+          <p:cNvPr id="2" name="Title 1"/>
+          <p:cNvSpPr>
+            <a:spLocks noGrp="1"/>
+          </p:cNvSpPr>
+          <p:nvPr>
+            <p:ph type="ctrTitle"/>
+          </p:nvPr>
+        </p:nvSpPr>
+        <p:spPr>
+          <a:xfrm>
+            <a:off x="1524000" y="386366"/>
+            <a:ext cx="9144000" cy="811368"/>
+          </a:xfrm>
+        </p:spPr>
+        <p:txBody>
+          <a:bodyPr>
+            <a:normAutofit fontScale="90000"/>
+          </a:bodyPr>
+          <a:lstStyle/>
+          <a:p>
+            <a:r>
+              <a:rPr lang="en-US" dirty="0" smtClean="0"/>
+              <a:t/>
+            </a:r>
+            <a:br>
+              <a:rPr lang="en-US" dirty="0" smtClean="0"/>
+            </a:br>
+            <a:r>
+              <a:rPr lang="en-US" dirty="0" smtClean="0"/>
+              <a:t>Node.js Fundamentals</a:t>
+            </a:r>
+            <a:endParaRPr lang="en-US" dirty="0"/>
+          </a:p>
+        </p:txBody>
+      </p:sp>
+      <p:sp>
+        <p:nvSpPr>
+          <p:cNvPr id="3" name="Subtitle 2"/>
+          <p:cNvSpPr>
+            <a:spLocks noGrp="1"/>
+          </p:cNvSpPr>
+          <p:nvPr>
+            <p:ph type="subTitle" idx="1"/>
+          </p:nvPr>
+        </p:nvSpPr>
+        <p:spPr>
+          <a:xfrm>
+            <a:off x="1524000" y="1335355"/>
+            <a:ext cx="9144000" cy="5197525"/>
+          </a:xfrm>
+        </p:spPr>
+        <p:txBody>
+          <a:bodyPr>
+            <a:normAutofit fontScale="25000" lnSpcReduction="20000"/>
+          </a:bodyPr>
+          <a:lstStyle/>
+          <a:p>
+            <a:pPr marL="342900" indent="-342900" algn="l">
+              <a:buFont typeface="Wingdings" panose="05000000000000000000" pitchFamily="2" charset="2"/>
+              <a:buChar char="Ø"/>
+            </a:pPr>
+            <a:r>
+              <a:rPr lang="en-US" sz="9600" b="1" dirty="0" smtClean="0"/>
+              <a:t>Stream – Read File</a:t>
+            </a:r>
+          </a:p>
+          <a:p>
+            <a:pPr algn="l"/>
+            <a:r>
+              <a:rPr lang="en-US" sz="7200" b="1" u="sng" dirty="0"/>
+              <a:t>Read Data From File</a:t>
+            </a:r>
+          </a:p>
+          <a:p>
+            <a:pPr algn="l"/>
+            <a:r>
+              <a:rPr lang="en-US" sz="4800" dirty="0"/>
+              <a:t/>
+            </a:r>
+            <a:br>
+              <a:rPr lang="en-US" sz="4800" dirty="0"/>
+            </a:br>
+            <a:r>
+              <a:rPr lang="en-US" sz="6000" dirty="0"/>
+              <a:t>let </a:t>
+            </a:r>
+            <a:r>
+              <a:rPr lang="en-US" sz="6000" dirty="0" err="1"/>
+              <a:t>fs</a:t>
+            </a:r>
+            <a:r>
+              <a:rPr lang="en-US" sz="6000" dirty="0"/>
+              <a:t> = require('</a:t>
+            </a:r>
+            <a:r>
+              <a:rPr lang="en-US" sz="6000" dirty="0" err="1"/>
+              <a:t>fs</a:t>
+            </a:r>
+            <a:r>
+              <a:rPr lang="en-US" sz="6000" dirty="0"/>
+              <a:t>');</a:t>
+            </a:r>
+          </a:p>
+          <a:p>
+            <a:pPr algn="l"/>
+            <a:r>
+              <a:rPr lang="en-US" sz="6000" dirty="0"/>
+              <a:t/>
+            </a:r>
+            <a:br>
+              <a:rPr lang="en-US" sz="6000" dirty="0"/>
+            </a:br>
+            <a:r>
+              <a:rPr lang="en-US" sz="6000" dirty="0" smtClean="0"/>
+              <a:t>let </a:t>
+            </a:r>
+            <a:r>
+              <a:rPr lang="en-US" sz="6000" dirty="0" err="1"/>
+              <a:t>readableStream</a:t>
+            </a:r>
+            <a:r>
+              <a:rPr lang="en-US" sz="6000" dirty="0"/>
+              <a:t> = </a:t>
+            </a:r>
+            <a:r>
+              <a:rPr lang="en-US" sz="6000" dirty="0" err="1"/>
+              <a:t>fs.createReadStream</a:t>
+            </a:r>
+            <a:r>
+              <a:rPr lang="en-US" sz="6000" dirty="0"/>
+              <a:t>('./streams/stream-input.txt');</a:t>
+            </a:r>
+          </a:p>
+          <a:p>
+            <a:pPr algn="l"/>
+            <a:r>
+              <a:rPr lang="en-US" sz="6000" dirty="0"/>
+              <a:t>let data = '';</a:t>
+            </a:r>
+          </a:p>
+          <a:p>
+            <a:pPr algn="l"/>
+            <a:r>
+              <a:rPr lang="en-US" sz="6000" dirty="0" err="1"/>
+              <a:t>readableStream.setEncoding</a:t>
+            </a:r>
+            <a:r>
+              <a:rPr lang="en-US" sz="6000" dirty="0"/>
+              <a:t>('UTF8');</a:t>
+            </a:r>
+          </a:p>
+          <a:p>
+            <a:pPr algn="l"/>
+            <a:r>
+              <a:rPr lang="en-US" sz="6000" dirty="0" err="1"/>
+              <a:t>readableStream.on</a:t>
+            </a:r>
+            <a:r>
+              <a:rPr lang="en-US" sz="6000" dirty="0"/>
+              <a:t>('data', (chunk) =&gt; {</a:t>
+            </a:r>
+          </a:p>
+          <a:p>
+            <a:pPr algn="l"/>
+            <a:r>
+              <a:rPr lang="en-US" sz="6000" dirty="0"/>
+              <a:t>    data += chunk;</a:t>
+            </a:r>
+          </a:p>
+          <a:p>
+            <a:pPr algn="l"/>
+            <a:r>
+              <a:rPr lang="en-US" sz="6000" dirty="0"/>
+              <a:t>});</a:t>
+            </a:r>
+          </a:p>
+          <a:p>
+            <a:pPr algn="l"/>
+            <a:r>
+              <a:rPr lang="en-US" sz="6000" dirty="0"/>
+              <a:t/>
+            </a:r>
+            <a:br>
+              <a:rPr lang="en-US" sz="6000" dirty="0"/>
+            </a:br>
+            <a:r>
+              <a:rPr lang="en-US" sz="6000" dirty="0" err="1"/>
+              <a:t>readableStream.on</a:t>
+            </a:r>
+            <a:r>
+              <a:rPr lang="en-US" sz="6000" dirty="0"/>
+              <a:t>('end',()=&gt;{</a:t>
+            </a:r>
+          </a:p>
+          <a:p>
+            <a:pPr algn="l"/>
+            <a:r>
+              <a:rPr lang="en-US" sz="6000" dirty="0"/>
+              <a:t>    console.log(data)</a:t>
+            </a:r>
+          </a:p>
+          <a:p>
+            <a:pPr algn="l"/>
+            <a:r>
+              <a:rPr lang="en-US" sz="6000" dirty="0" smtClean="0"/>
+              <a:t>})</a:t>
+            </a:r>
+            <a:r>
+              <a:rPr lang="en-US" dirty="0"/>
+              <a:t/>
+            </a:r>
+            <a:br>
+              <a:rPr lang="en-US" dirty="0"/>
+            </a:br>
+            <a:r>
+              <a:rPr lang="en-US" dirty="0"/>
+              <a:t/>
+            </a:r>
+            <a:br>
+              <a:rPr lang="en-US" dirty="0"/>
+            </a:br>
+            <a:r>
+              <a:rPr lang="en-US" dirty="0"/>
+              <a:t/>
+            </a:r>
+            <a:br>
+              <a:rPr lang="en-US" dirty="0"/>
+            </a:br>
+            <a:endParaRPr lang="en-US" dirty="0"/>
+          </a:p>
+          <a:p>
+            <a:pPr algn="l"/>
+            <a:r>
+              <a:rPr lang="en-US" dirty="0"/>
+              <a:t/>
+            </a:r>
+            <a:br>
+              <a:rPr lang="en-US" dirty="0"/>
+            </a:br>
+            <a:endParaRPr lang="en-US" dirty="0"/>
+          </a:p>
+          <a:p>
+            <a:pPr algn="l"/>
+            <a:endParaRPr lang="en-US" dirty="0"/>
+          </a:p>
+          <a:p>
+            <a:pPr algn="l"/>
+            <a:endParaRPr lang="en-US" dirty="0"/>
+          </a:p>
+          <a:p>
+            <a:pPr algn="l"/>
+            <a:endParaRPr lang="en-US" dirty="0"/>
+          </a:p>
+        </p:txBody>
+      </p:sp>
+    </p:spTree>
+    <p:extLst>
+      <p:ext uri="{BB962C8B-B14F-4D97-AF65-F5344CB8AC3E}">
+        <p14:creationId xmlns:p14="http://schemas.microsoft.com/office/powerpoint/2010/main" val="3473545903"/>
       </p:ext>
     </p:extLst>
   </p:cSld>

--- a/ppt/01. Introduction.pptx
+++ b/ppt/01. Introduction.pptx
@@ -19,6 +19,8 @@
     <p:sldId id="267" r:id="rId13"/>
     <p:sldId id="268" r:id="rId14"/>
     <p:sldId id="269" r:id="rId15"/>
+    <p:sldId id="270" r:id="rId16"/>
+    <p:sldId id="271" r:id="rId17"/>
   </p:sldIdLst>
   <p:sldSz cx="12192000" cy="6858000"/>
   <p:notesSz cx="6858000" cy="9144000"/>
@@ -256,7 +258,7 @@
           <a:p>
             <a:fld id="{2C59E35F-A497-4702-9410-C072BF23E778}" type="datetimeFigureOut">
               <a:rPr lang="en-US" smtClean="0"/>
-              <a:t>12/1/2021</a:t>
+              <a:t>12/2/2021</a:t>
             </a:fld>
             <a:endParaRPr lang="en-US"/>
           </a:p>
@@ -426,7 +428,7 @@
           <a:p>
             <a:fld id="{2C59E35F-A497-4702-9410-C072BF23E778}" type="datetimeFigureOut">
               <a:rPr lang="en-US" smtClean="0"/>
-              <a:t>12/1/2021</a:t>
+              <a:t>12/2/2021</a:t>
             </a:fld>
             <a:endParaRPr lang="en-US"/>
           </a:p>
@@ -606,7 +608,7 @@
           <a:p>
             <a:fld id="{2C59E35F-A497-4702-9410-C072BF23E778}" type="datetimeFigureOut">
               <a:rPr lang="en-US" smtClean="0"/>
-              <a:t>12/1/2021</a:t>
+              <a:t>12/2/2021</a:t>
             </a:fld>
             <a:endParaRPr lang="en-US"/>
           </a:p>
@@ -776,7 +778,7 @@
           <a:p>
             <a:fld id="{2C59E35F-A497-4702-9410-C072BF23E778}" type="datetimeFigureOut">
               <a:rPr lang="en-US" smtClean="0"/>
-              <a:t>12/1/2021</a:t>
+              <a:t>12/2/2021</a:t>
             </a:fld>
             <a:endParaRPr lang="en-US"/>
           </a:p>
@@ -1022,7 +1024,7 @@
           <a:p>
             <a:fld id="{2C59E35F-A497-4702-9410-C072BF23E778}" type="datetimeFigureOut">
               <a:rPr lang="en-US" smtClean="0"/>
-              <a:t>12/1/2021</a:t>
+              <a:t>12/2/2021</a:t>
             </a:fld>
             <a:endParaRPr lang="en-US"/>
           </a:p>
@@ -1254,7 +1256,7 @@
           <a:p>
             <a:fld id="{2C59E35F-A497-4702-9410-C072BF23E778}" type="datetimeFigureOut">
               <a:rPr lang="en-US" smtClean="0"/>
-              <a:t>12/1/2021</a:t>
+              <a:t>12/2/2021</a:t>
             </a:fld>
             <a:endParaRPr lang="en-US"/>
           </a:p>
@@ -1621,7 +1623,7 @@
           <a:p>
             <a:fld id="{2C59E35F-A497-4702-9410-C072BF23E778}" type="datetimeFigureOut">
               <a:rPr lang="en-US" smtClean="0"/>
-              <a:t>12/1/2021</a:t>
+              <a:t>12/2/2021</a:t>
             </a:fld>
             <a:endParaRPr lang="en-US"/>
           </a:p>
@@ -1739,7 +1741,7 @@
           <a:p>
             <a:fld id="{2C59E35F-A497-4702-9410-C072BF23E778}" type="datetimeFigureOut">
               <a:rPr lang="en-US" smtClean="0"/>
-              <a:t>12/1/2021</a:t>
+              <a:t>12/2/2021</a:t>
             </a:fld>
             <a:endParaRPr lang="en-US"/>
           </a:p>
@@ -1834,7 +1836,7 @@
           <a:p>
             <a:fld id="{2C59E35F-A497-4702-9410-C072BF23E778}" type="datetimeFigureOut">
               <a:rPr lang="en-US" smtClean="0"/>
-              <a:t>12/1/2021</a:t>
+              <a:t>12/2/2021</a:t>
             </a:fld>
             <a:endParaRPr lang="en-US"/>
           </a:p>
@@ -2111,7 +2113,7 @@
           <a:p>
             <a:fld id="{2C59E35F-A497-4702-9410-C072BF23E778}" type="datetimeFigureOut">
               <a:rPr lang="en-US" smtClean="0"/>
-              <a:t>12/1/2021</a:t>
+              <a:t>12/2/2021</a:t>
             </a:fld>
             <a:endParaRPr lang="en-US"/>
           </a:p>
@@ -2364,7 +2366,7 @@
           <a:p>
             <a:fld id="{2C59E35F-A497-4702-9410-C072BF23E778}" type="datetimeFigureOut">
               <a:rPr lang="en-US" smtClean="0"/>
-              <a:t>12/1/2021</a:t>
+              <a:t>12/2/2021</a:t>
             </a:fld>
             <a:endParaRPr lang="en-US"/>
           </a:p>
@@ -2577,7 +2579,7 @@
           <a:p>
             <a:fld id="{2C59E35F-A497-4702-9410-C072BF23E778}" type="datetimeFigureOut">
               <a:rPr lang="en-US" smtClean="0"/>
-              <a:t>12/1/2021</a:t>
+              <a:t>12/2/2021</a:t>
             </a:fld>
             <a:endParaRPr lang="en-US"/>
           </a:p>
@@ -4953,6 +4955,913 @@
 </p:sld>
 </file>
 
+<file path=ppt/slides/slide15.xml><?xml version="1.0" encoding="utf-8"?>
+<p:sld xmlns:a="http://schemas.openxmlformats.org/drawingml/2006/main" xmlns:r="http://schemas.openxmlformats.org/officeDocument/2006/relationships" xmlns:p="http://schemas.openxmlformats.org/presentationml/2006/main">
+  <p:cSld>
+    <p:spTree>
+      <p:nvGrpSpPr>
+        <p:cNvPr id="1" name=""/>
+        <p:cNvGrpSpPr/>
+        <p:nvPr/>
+      </p:nvGrpSpPr>
+      <p:grpSpPr>
+        <a:xfrm>
+          <a:off x="0" y="0"/>
+          <a:ext cx="0" cy="0"/>
+          <a:chOff x="0" y="0"/>
+          <a:chExt cx="0" cy="0"/>
+        </a:xfrm>
+      </p:grpSpPr>
+      <p:sp>
+        <p:nvSpPr>
+          <p:cNvPr id="2" name="Title 1"/>
+          <p:cNvSpPr>
+            <a:spLocks noGrp="1"/>
+          </p:cNvSpPr>
+          <p:nvPr>
+            <p:ph type="ctrTitle"/>
+          </p:nvPr>
+        </p:nvSpPr>
+        <p:spPr>
+          <a:xfrm>
+            <a:off x="1524000" y="386366"/>
+            <a:ext cx="9144000" cy="536660"/>
+          </a:xfrm>
+        </p:spPr>
+        <p:txBody>
+          <a:bodyPr>
+            <a:noAutofit/>
+          </a:bodyPr>
+          <a:lstStyle/>
+          <a:p>
+            <a:r>
+              <a:rPr lang="en-US" sz="4000" dirty="0" smtClean="0"/>
+              <a:t/>
+            </a:r>
+            <a:br>
+              <a:rPr lang="en-US" sz="4000" dirty="0" smtClean="0"/>
+            </a:br>
+            <a:r>
+              <a:rPr lang="en-US" sz="4000" dirty="0" smtClean="0"/>
+              <a:t>Node.js Fundamentals</a:t>
+            </a:r>
+            <a:endParaRPr lang="en-US" sz="4000" dirty="0"/>
+          </a:p>
+        </p:txBody>
+      </p:sp>
+      <p:sp>
+        <p:nvSpPr>
+          <p:cNvPr id="3" name="Subtitle 2"/>
+          <p:cNvSpPr>
+            <a:spLocks noGrp="1"/>
+          </p:cNvSpPr>
+          <p:nvPr>
+            <p:ph type="subTitle" idx="1"/>
+          </p:nvPr>
+        </p:nvSpPr>
+        <p:spPr>
+          <a:xfrm>
+            <a:off x="1524000" y="912658"/>
+            <a:ext cx="9144000" cy="5824572"/>
+          </a:xfrm>
+        </p:spPr>
+        <p:txBody>
+          <a:bodyPr>
+            <a:normAutofit fontScale="25000" lnSpcReduction="20000"/>
+          </a:bodyPr>
+          <a:lstStyle/>
+          <a:p>
+            <a:pPr marL="342900" indent="-342900" algn="l">
+              <a:buFont typeface="Wingdings" panose="05000000000000000000" pitchFamily="2" charset="2"/>
+              <a:buChar char="Ø"/>
+            </a:pPr>
+            <a:r>
+              <a:rPr lang="en-US" sz="7200" b="1" dirty="0" smtClean="0"/>
+              <a:t>Route</a:t>
+            </a:r>
+            <a:r>
+              <a:rPr lang="en-US" sz="4400" dirty="0"/>
+              <a:t/>
+            </a:r>
+            <a:br>
+              <a:rPr lang="en-US" sz="4400" dirty="0"/>
+            </a:br>
+            <a:endParaRPr lang="en-US" sz="4400" dirty="0" smtClean="0"/>
+          </a:p>
+          <a:p>
+            <a:pPr algn="l"/>
+            <a:r>
+              <a:rPr lang="en-US" sz="6400" b="1" dirty="0" smtClean="0"/>
+              <a:t>First we need to create server.js file. This file is containing htt</a:t>
+            </a:r>
+            <a:r>
+              <a:rPr lang="en-US" sz="6400" b="1" dirty="0" smtClean="0"/>
+              <a:t>p configuration and server listener with the </a:t>
+            </a:r>
+            <a:r>
+              <a:rPr lang="en-US" sz="6400" b="1" dirty="0" err="1" smtClean="0"/>
+              <a:t>localhost</a:t>
+            </a:r>
+            <a:r>
+              <a:rPr lang="en-US" sz="6400" b="1" dirty="0" smtClean="0"/>
+              <a:t> port of 1971</a:t>
+            </a:r>
+          </a:p>
+          <a:p>
+            <a:pPr algn="l"/>
+            <a:r>
+              <a:rPr lang="en-US" sz="4800" dirty="0"/>
+              <a:t>let http = require('http');</a:t>
+            </a:r>
+          </a:p>
+          <a:p>
+            <a:pPr algn="l"/>
+            <a:r>
+              <a:rPr lang="en-US" sz="4800" dirty="0"/>
+              <a:t>let </a:t>
+            </a:r>
+            <a:r>
+              <a:rPr lang="en-US" sz="4800" dirty="0" err="1"/>
+              <a:t>url</a:t>
+            </a:r>
+            <a:r>
+              <a:rPr lang="en-US" sz="4800" dirty="0"/>
+              <a:t> = require('</a:t>
+            </a:r>
+            <a:r>
+              <a:rPr lang="en-US" sz="4800" dirty="0" err="1"/>
+              <a:t>url</a:t>
+            </a:r>
+            <a:r>
+              <a:rPr lang="en-US" sz="4800" dirty="0"/>
+              <a:t>');</a:t>
+            </a:r>
+          </a:p>
+          <a:p>
+            <a:pPr algn="l"/>
+            <a:r>
+              <a:rPr lang="en-US" sz="4800" dirty="0"/>
+              <a:t/>
+            </a:r>
+            <a:br>
+              <a:rPr lang="en-US" sz="4800" dirty="0"/>
+            </a:br>
+            <a:r>
+              <a:rPr lang="en-US" sz="4800" dirty="0" err="1"/>
+              <a:t>const</a:t>
+            </a:r>
+            <a:r>
+              <a:rPr lang="en-US" sz="4800" dirty="0"/>
+              <a:t> </a:t>
+            </a:r>
+            <a:r>
+              <a:rPr lang="en-US" sz="4800" dirty="0" err="1"/>
+              <a:t>serverStarted</a:t>
+            </a:r>
+            <a:r>
+              <a:rPr lang="en-US" sz="4800" dirty="0"/>
+              <a:t> = (route) =&gt; </a:t>
+            </a:r>
+            <a:r>
+              <a:rPr lang="en-US" sz="4800" dirty="0" smtClean="0"/>
+              <a:t>{</a:t>
+            </a:r>
+            <a:r>
+              <a:rPr lang="en-US" sz="4800" dirty="0"/>
+              <a:t/>
+            </a:r>
+            <a:br>
+              <a:rPr lang="en-US" sz="4800" dirty="0"/>
+            </a:br>
+            <a:r>
+              <a:rPr lang="en-US" sz="4800" dirty="0"/>
+              <a:t>    </a:t>
+            </a:r>
+            <a:r>
+              <a:rPr lang="en-US" sz="4800" dirty="0" err="1"/>
+              <a:t>const</a:t>
+            </a:r>
+            <a:r>
+              <a:rPr lang="en-US" sz="4800" dirty="0"/>
+              <a:t> </a:t>
+            </a:r>
+            <a:r>
+              <a:rPr lang="en-US" sz="4800" dirty="0" err="1"/>
+              <a:t>onServerRequest</a:t>
+            </a:r>
+            <a:r>
+              <a:rPr lang="en-US" sz="4800" dirty="0"/>
+              <a:t>=(request, response) =&gt; {</a:t>
+            </a:r>
+          </a:p>
+          <a:p>
+            <a:pPr algn="l"/>
+            <a:r>
+              <a:rPr lang="en-US" sz="4800" dirty="0"/>
+              <a:t>        let </a:t>
+            </a:r>
+            <a:r>
+              <a:rPr lang="en-US" sz="4800" dirty="0" err="1"/>
+              <a:t>pathName</a:t>
+            </a:r>
+            <a:r>
+              <a:rPr lang="en-US" sz="4800" dirty="0"/>
+              <a:t> = </a:t>
+            </a:r>
+            <a:r>
+              <a:rPr lang="en-US" sz="4800" dirty="0" err="1"/>
+              <a:t>url.parse</a:t>
+            </a:r>
+            <a:r>
+              <a:rPr lang="en-US" sz="4800" dirty="0"/>
+              <a:t>(request.url).pathname</a:t>
+            </a:r>
+            <a:r>
+              <a:rPr lang="en-US" sz="4800" dirty="0" smtClean="0"/>
+              <a:t>;</a:t>
+            </a:r>
+            <a:r>
+              <a:rPr lang="en-US" sz="4800" dirty="0"/>
+              <a:t/>
+            </a:r>
+            <a:br>
+              <a:rPr lang="en-US" sz="4800" dirty="0"/>
+            </a:br>
+            <a:r>
+              <a:rPr lang="en-US" sz="4800" dirty="0"/>
+              <a:t>        route(</a:t>
+            </a:r>
+            <a:r>
+              <a:rPr lang="en-US" sz="4800" dirty="0" err="1"/>
+              <a:t>pathName</a:t>
+            </a:r>
+            <a:r>
+              <a:rPr lang="en-US" sz="4800" dirty="0"/>
+              <a:t>);</a:t>
+            </a:r>
+          </a:p>
+          <a:p>
+            <a:pPr algn="l"/>
+            <a:r>
+              <a:rPr lang="en-US" sz="4800" dirty="0"/>
+              <a:t>        console.log('Request Received for ' + </a:t>
+            </a:r>
+            <a:r>
+              <a:rPr lang="en-US" sz="4800" dirty="0" err="1"/>
+              <a:t>pathName</a:t>
+            </a:r>
+            <a:r>
+              <a:rPr lang="en-US" sz="4800" dirty="0"/>
+              <a:t>);</a:t>
+            </a:r>
+          </a:p>
+          <a:p>
+            <a:pPr algn="l"/>
+            <a:r>
+              <a:rPr lang="en-US" sz="4800" dirty="0"/>
+              <a:t>        </a:t>
+            </a:r>
+            <a:r>
+              <a:rPr lang="en-US" sz="4800" dirty="0" err="1"/>
+              <a:t>response.writeHead</a:t>
+            </a:r>
+            <a:r>
+              <a:rPr lang="en-US" sz="4800" dirty="0"/>
+              <a:t>(200, { 'Content-Type': 'text/plain' });</a:t>
+            </a:r>
+          </a:p>
+          <a:p>
+            <a:pPr algn="l"/>
+            <a:r>
+              <a:rPr lang="en-US" sz="4800" dirty="0"/>
+              <a:t>        </a:t>
+            </a:r>
+            <a:r>
+              <a:rPr lang="en-US" sz="4800" dirty="0" err="1"/>
+              <a:t>response.write</a:t>
+            </a:r>
+            <a:r>
+              <a:rPr lang="en-US" sz="4800" dirty="0"/>
+              <a:t>('Welcome from Node JS Application Server!')</a:t>
+            </a:r>
+          </a:p>
+          <a:p>
+            <a:pPr algn="l"/>
+            <a:r>
+              <a:rPr lang="en-US" sz="4800" dirty="0"/>
+              <a:t>        </a:t>
+            </a:r>
+            <a:r>
+              <a:rPr lang="en-US" sz="4800" dirty="0" err="1"/>
+              <a:t>response.end</a:t>
+            </a:r>
+            <a:r>
+              <a:rPr lang="en-US" sz="4800" dirty="0"/>
+              <a:t>()</a:t>
+            </a:r>
+          </a:p>
+          <a:p>
+            <a:pPr algn="l"/>
+            <a:r>
+              <a:rPr lang="en-US" sz="4800" dirty="0"/>
+              <a:t>    }</a:t>
+            </a:r>
+          </a:p>
+          <a:p>
+            <a:pPr algn="l"/>
+            <a:r>
+              <a:rPr lang="en-US" sz="4800" dirty="0"/>
+              <a:t/>
+            </a:r>
+            <a:br>
+              <a:rPr lang="en-US" sz="4800" dirty="0"/>
+            </a:br>
+            <a:r>
+              <a:rPr lang="en-US" sz="4800" dirty="0"/>
+              <a:t>    </a:t>
+            </a:r>
+            <a:r>
+              <a:rPr lang="en-US" sz="4800" dirty="0" err="1"/>
+              <a:t>http.createServer</a:t>
+            </a:r>
+            <a:r>
+              <a:rPr lang="en-US" sz="4800" dirty="0"/>
+              <a:t>(</a:t>
+            </a:r>
+            <a:r>
+              <a:rPr lang="en-US" sz="4800" dirty="0" err="1"/>
+              <a:t>onServerRequest</a:t>
+            </a:r>
+            <a:r>
+              <a:rPr lang="en-US" sz="4800" dirty="0"/>
+              <a:t>).listen(1971);</a:t>
+            </a:r>
+          </a:p>
+          <a:p>
+            <a:pPr algn="l"/>
+            <a:r>
+              <a:rPr lang="en-US" sz="4800" dirty="0"/>
+              <a:t>    console.log('Server Started on </a:t>
+            </a:r>
+            <a:r>
+              <a:rPr lang="en-US" sz="4800" dirty="0" err="1"/>
+              <a:t>localhost</a:t>
+            </a:r>
+            <a:r>
+              <a:rPr lang="en-US" sz="4800" dirty="0"/>
+              <a:t> port 1971');</a:t>
+            </a:r>
+          </a:p>
+          <a:p>
+            <a:pPr algn="l"/>
+            <a:r>
+              <a:rPr lang="en-US" sz="4800" dirty="0"/>
+              <a:t>}</a:t>
+            </a:r>
+          </a:p>
+          <a:p>
+            <a:pPr algn="l"/>
+            <a:r>
+              <a:rPr lang="en-US" sz="4800" dirty="0"/>
+              <a:t/>
+            </a:r>
+            <a:br>
+              <a:rPr lang="en-US" sz="4800" dirty="0"/>
+            </a:br>
+            <a:r>
+              <a:rPr lang="en-US" sz="4800" dirty="0"/>
+              <a:t>//here we created a export object to export externally</a:t>
+            </a:r>
+          </a:p>
+          <a:p>
+            <a:pPr algn="l"/>
+            <a:r>
+              <a:rPr lang="en-US" sz="4800" dirty="0" err="1"/>
+              <a:t>module.exports</a:t>
+            </a:r>
+            <a:r>
+              <a:rPr lang="en-US" sz="4800" dirty="0"/>
+              <a:t> = {</a:t>
+            </a:r>
+          </a:p>
+          <a:p>
+            <a:pPr algn="l"/>
+            <a:r>
+              <a:rPr lang="en-US" sz="4800" dirty="0"/>
+              <a:t>    </a:t>
+            </a:r>
+            <a:r>
+              <a:rPr lang="en-US" sz="4800" dirty="0" err="1"/>
+              <a:t>serverStarted</a:t>
+            </a:r>
+            <a:r>
+              <a:rPr lang="en-US" sz="4800" dirty="0"/>
+              <a:t>: </a:t>
+            </a:r>
+            <a:r>
+              <a:rPr lang="en-US" sz="4800" dirty="0" err="1"/>
+              <a:t>serverStarted</a:t>
+            </a:r>
+            <a:endParaRPr lang="en-US" sz="4800" dirty="0"/>
+          </a:p>
+          <a:p>
+            <a:pPr algn="l"/>
+            <a:r>
+              <a:rPr lang="en-US" sz="4800" dirty="0"/>
+              <a:t>}</a:t>
+            </a:r>
+          </a:p>
+          <a:p>
+            <a:pPr algn="l"/>
+            <a:endParaRPr lang="en-US" sz="2100" dirty="0"/>
+          </a:p>
+          <a:p>
+            <a:pPr algn="l"/>
+            <a:endParaRPr lang="en-US" sz="4800" dirty="0"/>
+          </a:p>
+          <a:p>
+            <a:r>
+              <a:rPr lang="en-US" sz="800" dirty="0"/>
+              <a:t/>
+            </a:r>
+            <a:br>
+              <a:rPr lang="en-US" sz="800" dirty="0"/>
+            </a:br>
+            <a:r>
+              <a:rPr lang="en-US" sz="800" dirty="0"/>
+              <a:t/>
+            </a:r>
+            <a:br>
+              <a:rPr lang="en-US" sz="800" dirty="0"/>
+            </a:br>
+            <a:r>
+              <a:rPr lang="en-US" sz="800" dirty="0"/>
+              <a:t/>
+            </a:r>
+            <a:br>
+              <a:rPr lang="en-US" sz="800" dirty="0"/>
+            </a:br>
+            <a:r>
+              <a:rPr lang="en-US" sz="800" dirty="0"/>
+              <a:t/>
+            </a:r>
+            <a:br>
+              <a:rPr lang="en-US" sz="800" dirty="0"/>
+            </a:br>
+            <a:r>
+              <a:rPr lang="en-US" sz="800" dirty="0"/>
+              <a:t/>
+            </a:r>
+            <a:br>
+              <a:rPr lang="en-US" sz="800" dirty="0"/>
+            </a:br>
+            <a:r>
+              <a:rPr lang="en-US" sz="800" dirty="0"/>
+              <a:t/>
+            </a:r>
+            <a:br>
+              <a:rPr lang="en-US" sz="800" dirty="0"/>
+            </a:br>
+            <a:endParaRPr lang="en-US" sz="800" dirty="0"/>
+          </a:p>
+          <a:p>
+            <a:pPr algn="l"/>
+            <a:endParaRPr lang="en-US" sz="5600" b="1" dirty="0"/>
+          </a:p>
+          <a:p>
+            <a:r>
+              <a:rPr lang="en-US" dirty="0"/>
+              <a:t/>
+            </a:r>
+            <a:br>
+              <a:rPr lang="en-US" dirty="0"/>
+            </a:br>
+            <a:r>
+              <a:rPr lang="en-US" dirty="0"/>
+              <a:t/>
+            </a:r>
+            <a:br>
+              <a:rPr lang="en-US" dirty="0"/>
+            </a:br>
+            <a:r>
+              <a:rPr lang="en-US" dirty="0"/>
+              <a:t/>
+            </a:r>
+            <a:br>
+              <a:rPr lang="en-US" dirty="0"/>
+            </a:br>
+            <a:endParaRPr lang="en-US" dirty="0"/>
+          </a:p>
+          <a:p>
+            <a:pPr algn="l"/>
+            <a:r>
+              <a:rPr lang="en-US" dirty="0"/>
+              <a:t/>
+            </a:r>
+            <a:br>
+              <a:rPr lang="en-US" dirty="0"/>
+            </a:br>
+            <a:endParaRPr lang="en-US" dirty="0"/>
+          </a:p>
+          <a:p>
+            <a:pPr algn="l"/>
+            <a:endParaRPr lang="en-US" dirty="0"/>
+          </a:p>
+          <a:p>
+            <a:pPr algn="l"/>
+            <a:endParaRPr lang="en-US" dirty="0"/>
+          </a:p>
+          <a:p>
+            <a:pPr algn="l"/>
+            <a:endParaRPr lang="en-US" dirty="0"/>
+          </a:p>
+        </p:txBody>
+      </p:sp>
+    </p:spTree>
+    <p:extLst>
+      <p:ext uri="{BB962C8B-B14F-4D97-AF65-F5344CB8AC3E}">
+        <p14:creationId xmlns:p14="http://schemas.microsoft.com/office/powerpoint/2010/main" val="1785682939"/>
+      </p:ext>
+    </p:extLst>
+  </p:cSld>
+  <p:clrMapOvr>
+    <a:masterClrMapping/>
+  </p:clrMapOvr>
+  <p:timing>
+    <p:tnLst>
+      <p:par>
+        <p:cTn id="1" dur="indefinite" restart="never" nodeType="tmRoot"/>
+      </p:par>
+    </p:tnLst>
+  </p:timing>
+</p:sld>
+</file>
+
+<file path=ppt/slides/slide16.xml><?xml version="1.0" encoding="utf-8"?>
+<p:sld xmlns:a="http://schemas.openxmlformats.org/drawingml/2006/main" xmlns:r="http://schemas.openxmlformats.org/officeDocument/2006/relationships" xmlns:p="http://schemas.openxmlformats.org/presentationml/2006/main">
+  <p:cSld>
+    <p:spTree>
+      <p:nvGrpSpPr>
+        <p:cNvPr id="1" name=""/>
+        <p:cNvGrpSpPr/>
+        <p:nvPr/>
+      </p:nvGrpSpPr>
+      <p:grpSpPr>
+        <a:xfrm>
+          <a:off x="0" y="0"/>
+          <a:ext cx="0" cy="0"/>
+          <a:chOff x="0" y="0"/>
+          <a:chExt cx="0" cy="0"/>
+        </a:xfrm>
+      </p:grpSpPr>
+      <p:sp>
+        <p:nvSpPr>
+          <p:cNvPr id="2" name="Title 1"/>
+          <p:cNvSpPr>
+            <a:spLocks noGrp="1"/>
+          </p:cNvSpPr>
+          <p:nvPr>
+            <p:ph type="ctrTitle"/>
+          </p:nvPr>
+        </p:nvSpPr>
+        <p:spPr>
+          <a:xfrm>
+            <a:off x="1524000" y="386366"/>
+            <a:ext cx="9144000" cy="536660"/>
+          </a:xfrm>
+        </p:spPr>
+        <p:txBody>
+          <a:bodyPr>
+            <a:noAutofit/>
+          </a:bodyPr>
+          <a:lstStyle/>
+          <a:p>
+            <a:r>
+              <a:rPr lang="en-US" sz="4000" dirty="0" smtClean="0"/>
+              <a:t/>
+            </a:r>
+            <a:br>
+              <a:rPr lang="en-US" sz="4000" dirty="0" smtClean="0"/>
+            </a:br>
+            <a:r>
+              <a:rPr lang="en-US" sz="4000" dirty="0" smtClean="0"/>
+              <a:t>Node.js Fundamentals</a:t>
+            </a:r>
+            <a:endParaRPr lang="en-US" sz="4000" dirty="0"/>
+          </a:p>
+        </p:txBody>
+      </p:sp>
+      <p:sp>
+        <p:nvSpPr>
+          <p:cNvPr id="3" name="Subtitle 2"/>
+          <p:cNvSpPr>
+            <a:spLocks noGrp="1"/>
+          </p:cNvSpPr>
+          <p:nvPr>
+            <p:ph type="subTitle" idx="1"/>
+          </p:nvPr>
+        </p:nvSpPr>
+        <p:spPr>
+          <a:xfrm>
+            <a:off x="1524000" y="912658"/>
+            <a:ext cx="9144000" cy="5824572"/>
+          </a:xfrm>
+        </p:spPr>
+        <p:txBody>
+          <a:bodyPr>
+            <a:normAutofit fontScale="25000" lnSpcReduction="20000"/>
+          </a:bodyPr>
+          <a:lstStyle/>
+          <a:p>
+            <a:pPr marL="342900" indent="-342900" algn="l">
+              <a:buFont typeface="Wingdings" panose="05000000000000000000" pitchFamily="2" charset="2"/>
+              <a:buChar char="Ø"/>
+            </a:pPr>
+            <a:r>
+              <a:rPr lang="en-US" sz="7200" b="1" dirty="0" smtClean="0"/>
+              <a:t>Route</a:t>
+            </a:r>
+            <a:r>
+              <a:rPr lang="en-US" sz="4400" dirty="0"/>
+              <a:t/>
+            </a:r>
+            <a:br>
+              <a:rPr lang="en-US" sz="4400" dirty="0"/>
+            </a:br>
+            <a:endParaRPr lang="en-US" sz="4400" dirty="0" smtClean="0"/>
+          </a:p>
+          <a:p>
+            <a:pPr algn="l"/>
+            <a:r>
+              <a:rPr lang="en-US" sz="6400" b="1" dirty="0" smtClean="0"/>
+              <a:t>This is route.js file that is responsible to console the route path name</a:t>
+            </a:r>
+          </a:p>
+          <a:p>
+            <a:pPr algn="l"/>
+            <a:r>
+              <a:rPr lang="en-US" sz="8000" dirty="0" err="1" smtClean="0"/>
+              <a:t>const</a:t>
+            </a:r>
+            <a:r>
+              <a:rPr lang="en-US" sz="8000" dirty="0" smtClean="0"/>
+              <a:t> </a:t>
+            </a:r>
+            <a:r>
+              <a:rPr lang="en-US" sz="8000" dirty="0"/>
+              <a:t>route = (pathname)=&gt;{</a:t>
+            </a:r>
+          </a:p>
+          <a:p>
+            <a:pPr algn="l"/>
+            <a:r>
+              <a:rPr lang="en-US" sz="8000" dirty="0"/>
+              <a:t>    console.log('Routing a request for '+ pathname);</a:t>
+            </a:r>
+          </a:p>
+          <a:p>
+            <a:pPr algn="l"/>
+            <a:r>
+              <a:rPr lang="en-US" sz="8000" dirty="0"/>
+              <a:t>}</a:t>
+            </a:r>
+          </a:p>
+          <a:p>
+            <a:pPr algn="l"/>
+            <a:r>
+              <a:rPr lang="en-US" sz="8000" dirty="0"/>
+              <a:t/>
+            </a:r>
+            <a:br>
+              <a:rPr lang="en-US" sz="8000" dirty="0"/>
+            </a:br>
+            <a:r>
+              <a:rPr lang="en-US" sz="8000" dirty="0" err="1"/>
+              <a:t>module.exports</a:t>
+            </a:r>
+            <a:r>
+              <a:rPr lang="en-US" sz="8000" dirty="0"/>
+              <a:t> = {</a:t>
+            </a:r>
+          </a:p>
+          <a:p>
+            <a:pPr algn="l"/>
+            <a:r>
+              <a:rPr lang="en-US" sz="8000" dirty="0"/>
+              <a:t>    route: route</a:t>
+            </a:r>
+          </a:p>
+          <a:p>
+            <a:pPr algn="l"/>
+            <a:r>
+              <a:rPr lang="en-US" sz="8000" dirty="0" smtClean="0"/>
+              <a:t>}</a:t>
+            </a:r>
+          </a:p>
+          <a:p>
+            <a:pPr algn="l"/>
+            <a:endParaRPr lang="en-US" sz="5500" dirty="0" smtClean="0"/>
+          </a:p>
+          <a:p>
+            <a:pPr algn="l"/>
+            <a:r>
+              <a:rPr lang="en-US" sz="7200" b="1" dirty="0" smtClean="0"/>
+              <a:t>Server.js file to run the http server</a:t>
+            </a:r>
+            <a:endParaRPr lang="en-US" sz="7200" b="1" dirty="0"/>
+          </a:p>
+          <a:p>
+            <a:pPr algn="l"/>
+            <a:endParaRPr lang="en-US" sz="5500" dirty="0" smtClean="0"/>
+          </a:p>
+          <a:p>
+            <a:pPr algn="l"/>
+            <a:r>
+              <a:rPr lang="en-US" sz="8000" dirty="0"/>
+              <a:t>let server=require('./</a:t>
+            </a:r>
+            <a:r>
+              <a:rPr lang="en-US" sz="8000" dirty="0" err="1"/>
+              <a:t>HttpServer</a:t>
+            </a:r>
+            <a:r>
+              <a:rPr lang="en-US" sz="8000" dirty="0"/>
+              <a:t>');</a:t>
+            </a:r>
+          </a:p>
+          <a:p>
+            <a:pPr algn="l"/>
+            <a:r>
+              <a:rPr lang="en-US" sz="8000" dirty="0"/>
+              <a:t>let router = require('./router');</a:t>
+            </a:r>
+          </a:p>
+          <a:p>
+            <a:pPr algn="l"/>
+            <a:r>
+              <a:rPr lang="en-US" sz="8000" dirty="0"/>
+              <a:t/>
+            </a:r>
+            <a:br>
+              <a:rPr lang="en-US" sz="8000" dirty="0"/>
+            </a:br>
+            <a:r>
+              <a:rPr lang="en-US" sz="8000" dirty="0" err="1"/>
+              <a:t>server.serverStarted</a:t>
+            </a:r>
+            <a:r>
+              <a:rPr lang="en-US" sz="8000" dirty="0"/>
+              <a:t>(</a:t>
+            </a:r>
+            <a:r>
+              <a:rPr lang="en-US" sz="8000" dirty="0" err="1"/>
+              <a:t>router.route</a:t>
+            </a:r>
+            <a:r>
+              <a:rPr lang="en-US" sz="8000" dirty="0"/>
+              <a:t>);</a:t>
+            </a:r>
+          </a:p>
+          <a:p>
+            <a:pPr algn="l"/>
+            <a:endParaRPr lang="en-US" sz="5500" dirty="0"/>
+          </a:p>
+          <a:p>
+            <a:r>
+              <a:rPr lang="en-US" sz="800" dirty="0"/>
+              <a:t/>
+            </a:r>
+            <a:br>
+              <a:rPr lang="en-US" sz="800" dirty="0"/>
+            </a:br>
+            <a:endParaRPr lang="en-US" sz="800" dirty="0"/>
+          </a:p>
+          <a:p>
+            <a:pPr algn="l"/>
+            <a:endParaRPr lang="en-US" sz="2100" dirty="0"/>
+          </a:p>
+          <a:p>
+            <a:pPr algn="l"/>
+            <a:endParaRPr lang="en-US" sz="4800" dirty="0"/>
+          </a:p>
+          <a:p>
+            <a:r>
+              <a:rPr lang="en-US" sz="800" dirty="0"/>
+              <a:t/>
+            </a:r>
+            <a:br>
+              <a:rPr lang="en-US" sz="800" dirty="0"/>
+            </a:br>
+            <a:r>
+              <a:rPr lang="en-US" sz="800" dirty="0"/>
+              <a:t/>
+            </a:r>
+            <a:br>
+              <a:rPr lang="en-US" sz="800" dirty="0"/>
+            </a:br>
+            <a:r>
+              <a:rPr lang="en-US" sz="800" dirty="0"/>
+              <a:t/>
+            </a:r>
+            <a:br>
+              <a:rPr lang="en-US" sz="800" dirty="0"/>
+            </a:br>
+            <a:r>
+              <a:rPr lang="en-US" sz="800" dirty="0"/>
+              <a:t/>
+            </a:r>
+            <a:br>
+              <a:rPr lang="en-US" sz="800" dirty="0"/>
+            </a:br>
+            <a:r>
+              <a:rPr lang="en-US" sz="800" dirty="0"/>
+              <a:t/>
+            </a:r>
+            <a:br>
+              <a:rPr lang="en-US" sz="800" dirty="0"/>
+            </a:br>
+            <a:r>
+              <a:rPr lang="en-US" sz="800" dirty="0"/>
+              <a:t/>
+            </a:r>
+            <a:br>
+              <a:rPr lang="en-US" sz="800" dirty="0"/>
+            </a:br>
+            <a:endParaRPr lang="en-US" sz="800" dirty="0"/>
+          </a:p>
+          <a:p>
+            <a:pPr algn="l"/>
+            <a:endParaRPr lang="en-US" sz="5600" b="1" dirty="0"/>
+          </a:p>
+          <a:p>
+            <a:r>
+              <a:rPr lang="en-US" dirty="0"/>
+              <a:t/>
+            </a:r>
+            <a:br>
+              <a:rPr lang="en-US" dirty="0"/>
+            </a:br>
+            <a:r>
+              <a:rPr lang="en-US" dirty="0"/>
+              <a:t/>
+            </a:r>
+            <a:br>
+              <a:rPr lang="en-US" dirty="0"/>
+            </a:br>
+            <a:r>
+              <a:rPr lang="en-US" dirty="0"/>
+              <a:t/>
+            </a:r>
+            <a:br>
+              <a:rPr lang="en-US" dirty="0"/>
+            </a:br>
+            <a:endParaRPr lang="en-US" dirty="0"/>
+          </a:p>
+          <a:p>
+            <a:pPr algn="l"/>
+            <a:r>
+              <a:rPr lang="en-US" dirty="0"/>
+              <a:t/>
+            </a:r>
+            <a:br>
+              <a:rPr lang="en-US" dirty="0"/>
+            </a:br>
+            <a:endParaRPr lang="en-US" dirty="0"/>
+          </a:p>
+          <a:p>
+            <a:pPr algn="l"/>
+            <a:endParaRPr lang="en-US" dirty="0"/>
+          </a:p>
+          <a:p>
+            <a:pPr algn="l"/>
+            <a:endParaRPr lang="en-US" dirty="0"/>
+          </a:p>
+          <a:p>
+            <a:pPr algn="l"/>
+            <a:endParaRPr lang="en-US" dirty="0"/>
+          </a:p>
+        </p:txBody>
+      </p:sp>
+    </p:spTree>
+    <p:extLst>
+      <p:ext uri="{BB962C8B-B14F-4D97-AF65-F5344CB8AC3E}">
+        <p14:creationId xmlns:p14="http://schemas.microsoft.com/office/powerpoint/2010/main" val="1358189421"/>
+      </p:ext>
+    </p:extLst>
+  </p:cSld>
+  <p:clrMapOvr>
+    <a:masterClrMapping/>
+  </p:clrMapOvr>
+  <p:timing>
+    <p:tnLst>
+      <p:par>
+        <p:cTn id="1" dur="indefinite" restart="never" nodeType="tmRoot"/>
+      </p:par>
+    </p:tnLst>
+  </p:timing>
+</p:sld>
+</file>
+
 <file path=ppt/slides/slide2.xml><?xml version="1.0" encoding="utf-8"?>
 <p:sld xmlns:a="http://schemas.openxmlformats.org/drawingml/2006/main" xmlns:r="http://schemas.openxmlformats.org/officeDocument/2006/relationships" xmlns:p="http://schemas.openxmlformats.org/presentationml/2006/main">
   <p:cSld>
@@ -6729,7 +7638,6 @@
               <a:rPr lang="en-US" sz="9600" b="1" dirty="0" smtClean="0"/>
               <a:t>Module</a:t>
             </a:r>
-            <a:endParaRPr lang="en-US" sz="9600" b="1" dirty="0" smtClean="0"/>
           </a:p>
           <a:p>
             <a:pPr algn="l"/>
